--- a/Operating Systems/Notes/Operating Systems Lecture # 1.pptx
+++ b/Operating Systems/Notes/Operating Systems Lecture # 1.pptx
@@ -240,7 +240,7 @@
           <a:p>
             <a:fld id="{66BC5DC6-36C8-4284-B784-3FAED00370AA}" type="datetimeFigureOut">
               <a:rPr lang="en-US" smtClean="0"/>
-              <a:t>23-Aug-22</a:t>
+              <a:t>9/5/22</a:t>
             </a:fld>
             <a:endParaRPr lang="en-US"/>
           </a:p>
@@ -507,6 +507,722 @@
 </p:notesMaster>
 </file>
 
+<file path=ppt/notesSlides/notesSlide1.xml><?xml version="1.0" encoding="utf-8"?>
+<p:notes xmlns:a="http://schemas.openxmlformats.org/drawingml/2006/main" xmlns:r="http://schemas.openxmlformats.org/officeDocument/2006/relationships" xmlns:p="http://schemas.openxmlformats.org/presentationml/2006/main">
+  <p:cSld>
+    <p:spTree>
+      <p:nvGrpSpPr>
+        <p:cNvPr id="1" name=""/>
+        <p:cNvGrpSpPr/>
+        <p:nvPr/>
+      </p:nvGrpSpPr>
+      <p:grpSpPr>
+        <a:xfrm>
+          <a:off x="0" y="0"/>
+          <a:ext cx="0" cy="0"/>
+          <a:chOff x="0" y="0"/>
+          <a:chExt cx="0" cy="0"/>
+        </a:xfrm>
+      </p:grpSpPr>
+      <p:sp>
+        <p:nvSpPr>
+          <p:cNvPr id="2" name="Slide Image Placeholder 1"/>
+          <p:cNvSpPr>
+            <a:spLocks noGrp="1" noRot="1" noChangeAspect="1"/>
+          </p:cNvSpPr>
+          <p:nvPr>
+            <p:ph type="sldImg"/>
+          </p:nvPr>
+        </p:nvSpPr>
+        <p:spPr/>
+      </p:sp>
+      <p:sp>
+        <p:nvSpPr>
+          <p:cNvPr id="3" name="Notes Placeholder 2"/>
+          <p:cNvSpPr>
+            <a:spLocks noGrp="1"/>
+          </p:cNvSpPr>
+          <p:nvPr>
+            <p:ph type="body" idx="1"/>
+          </p:nvPr>
+        </p:nvSpPr>
+        <p:spPr/>
+        <p:txBody>
+          <a:bodyPr/>
+          <a:lstStyle/>
+          <a:p>
+            <a:r>
+              <a:rPr lang="en-US" dirty="0"/>
+              <a:t>So what is a computer? We can not call nay hardware a computer but there are specific requirements that needed to be fulfilled for a system to be called a computer.</a:t>
+            </a:r>
+          </a:p>
+          <a:p>
+            <a:endParaRPr lang="en-US" dirty="0"/>
+          </a:p>
+          <a:p>
+            <a:r>
+              <a:rPr lang="en-US" dirty="0"/>
+              <a:t>Now when we put a software on top of hardware to control its operations through human interaction, this is when a combination of hardware becomes a computer. The main job of computer is to run programs that facilitate the user.</a:t>
+            </a:r>
+          </a:p>
+        </p:txBody>
+      </p:sp>
+      <p:sp>
+        <p:nvSpPr>
+          <p:cNvPr id="4" name="Slide Number Placeholder 3"/>
+          <p:cNvSpPr>
+            <a:spLocks noGrp="1"/>
+          </p:cNvSpPr>
+          <p:nvPr>
+            <p:ph type="sldNum" sz="quarter" idx="5"/>
+          </p:nvPr>
+        </p:nvSpPr>
+        <p:spPr/>
+        <p:txBody>
+          <a:bodyPr/>
+          <a:lstStyle/>
+          <a:p>
+            <a:fld id="{74BA96E1-2421-4124-8FA8-2A7F0CE7938D}" type="slidenum">
+              <a:rPr lang="en-US" smtClean="0"/>
+              <a:t>3</a:t>
+            </a:fld>
+            <a:endParaRPr lang="en-US"/>
+          </a:p>
+        </p:txBody>
+      </p:sp>
+    </p:spTree>
+    <p:extLst>
+      <p:ext uri="{BB962C8B-B14F-4D97-AF65-F5344CB8AC3E}">
+        <p14:creationId xmlns:p14="http://schemas.microsoft.com/office/powerpoint/2010/main" val="2255703563"/>
+      </p:ext>
+    </p:extLst>
+  </p:cSld>
+  <p:clrMapOvr>
+    <a:masterClrMapping/>
+  </p:clrMapOvr>
+</p:notes>
+</file>
+
+<file path=ppt/notesSlides/notesSlide2.xml><?xml version="1.0" encoding="utf-8"?>
+<p:notes xmlns:a="http://schemas.openxmlformats.org/drawingml/2006/main" xmlns:r="http://schemas.openxmlformats.org/officeDocument/2006/relationships" xmlns:p="http://schemas.openxmlformats.org/presentationml/2006/main">
+  <p:cSld>
+    <p:spTree>
+      <p:nvGrpSpPr>
+        <p:cNvPr id="1" name=""/>
+        <p:cNvGrpSpPr/>
+        <p:nvPr/>
+      </p:nvGrpSpPr>
+      <p:grpSpPr>
+        <a:xfrm>
+          <a:off x="0" y="0"/>
+          <a:ext cx="0" cy="0"/>
+          <a:chOff x="0" y="0"/>
+          <a:chExt cx="0" cy="0"/>
+        </a:xfrm>
+      </p:grpSpPr>
+      <p:sp>
+        <p:nvSpPr>
+          <p:cNvPr id="2" name="Slide Image Placeholder 1"/>
+          <p:cNvSpPr>
+            <a:spLocks noGrp="1" noRot="1" noChangeAspect="1"/>
+          </p:cNvSpPr>
+          <p:nvPr>
+            <p:ph type="sldImg"/>
+          </p:nvPr>
+        </p:nvSpPr>
+        <p:spPr/>
+      </p:sp>
+      <p:sp>
+        <p:nvSpPr>
+          <p:cNvPr id="3" name="Notes Placeholder 2"/>
+          <p:cNvSpPr>
+            <a:spLocks noGrp="1"/>
+          </p:cNvSpPr>
+          <p:nvPr>
+            <p:ph type="body" idx="1"/>
+          </p:nvPr>
+        </p:nvSpPr>
+        <p:spPr/>
+        <p:txBody>
+          <a:bodyPr/>
+          <a:lstStyle/>
+          <a:p>
+            <a:r>
+              <a:rPr lang="en-US" dirty="0"/>
+              <a:t>So How is a computer system organized in the hierarchy:</a:t>
+            </a:r>
+          </a:p>
+          <a:p>
+            <a:pPr marL="171450" indent="-171450">
+              <a:buFontTx/>
+              <a:buChar char="-"/>
+            </a:pPr>
+            <a:r>
+              <a:rPr lang="en-US" dirty="0"/>
+              <a:t>Hardware</a:t>
+            </a:r>
+          </a:p>
+          <a:p>
+            <a:pPr marL="171450" indent="-171450">
+              <a:buFontTx/>
+              <a:buChar char="-"/>
+            </a:pPr>
+            <a:r>
+              <a:rPr lang="en-US" dirty="0"/>
+              <a:t>Device Controllers</a:t>
+            </a:r>
+          </a:p>
+          <a:p>
+            <a:pPr marL="171450" indent="-171450">
+              <a:buFontTx/>
+              <a:buChar char="-"/>
+            </a:pPr>
+            <a:r>
+              <a:rPr lang="en-US" dirty="0"/>
+              <a:t>Device Driver</a:t>
+            </a:r>
+          </a:p>
+          <a:p>
+            <a:pPr marL="171450" indent="-171450">
+              <a:buFontTx/>
+              <a:buChar char="-"/>
+            </a:pPr>
+            <a:r>
+              <a:rPr lang="en-US" dirty="0"/>
+              <a:t>Operating System</a:t>
+            </a:r>
+          </a:p>
+          <a:p>
+            <a:pPr marL="171450" indent="-171450">
+              <a:buFontTx/>
+              <a:buChar char="-"/>
+            </a:pPr>
+            <a:r>
+              <a:rPr lang="en-US" dirty="0"/>
+              <a:t>System Software</a:t>
+            </a:r>
+          </a:p>
+          <a:p>
+            <a:pPr marL="171450" indent="-171450">
+              <a:buFontTx/>
+              <a:buChar char="-"/>
+            </a:pPr>
+            <a:r>
+              <a:rPr lang="en-US" dirty="0"/>
+              <a:t>Application Software</a:t>
+            </a:r>
+          </a:p>
+          <a:p>
+            <a:pPr marL="171450" indent="-171450">
+              <a:buFontTx/>
+              <a:buChar char="-"/>
+            </a:pPr>
+            <a:r>
+              <a:rPr lang="en-US" dirty="0"/>
+              <a:t>User</a:t>
+            </a:r>
+            <a:br>
+              <a:rPr lang="en-US" dirty="0"/>
+            </a:br>
+            <a:br>
+              <a:rPr lang="en-US" dirty="0"/>
+            </a:br>
+            <a:r>
+              <a:rPr lang="en-US" dirty="0"/>
+              <a:t>This is more of a deep understanding of the pyramid that forms the basics of a computer system.</a:t>
+            </a:r>
+          </a:p>
+        </p:txBody>
+      </p:sp>
+      <p:sp>
+        <p:nvSpPr>
+          <p:cNvPr id="4" name="Slide Number Placeholder 3"/>
+          <p:cNvSpPr>
+            <a:spLocks noGrp="1"/>
+          </p:cNvSpPr>
+          <p:nvPr>
+            <p:ph type="sldNum" sz="quarter" idx="5"/>
+          </p:nvPr>
+        </p:nvSpPr>
+        <p:spPr/>
+        <p:txBody>
+          <a:bodyPr/>
+          <a:lstStyle/>
+          <a:p>
+            <a:fld id="{74BA96E1-2421-4124-8FA8-2A7F0CE7938D}" type="slidenum">
+              <a:rPr lang="en-US" smtClean="0"/>
+              <a:t>4</a:t>
+            </a:fld>
+            <a:endParaRPr lang="en-US"/>
+          </a:p>
+        </p:txBody>
+      </p:sp>
+    </p:spTree>
+    <p:extLst>
+      <p:ext uri="{BB962C8B-B14F-4D97-AF65-F5344CB8AC3E}">
+        <p14:creationId xmlns:p14="http://schemas.microsoft.com/office/powerpoint/2010/main" val="1881296328"/>
+      </p:ext>
+    </p:extLst>
+  </p:cSld>
+  <p:clrMapOvr>
+    <a:masterClrMapping/>
+  </p:clrMapOvr>
+</p:notes>
+</file>
+
+<file path=ppt/notesSlides/notesSlide3.xml><?xml version="1.0" encoding="utf-8"?>
+<p:notes xmlns:a="http://schemas.openxmlformats.org/drawingml/2006/main" xmlns:r="http://schemas.openxmlformats.org/officeDocument/2006/relationships" xmlns:p="http://schemas.openxmlformats.org/presentationml/2006/main">
+  <p:cSld>
+    <p:spTree>
+      <p:nvGrpSpPr>
+        <p:cNvPr id="1" name=""/>
+        <p:cNvGrpSpPr/>
+        <p:nvPr/>
+      </p:nvGrpSpPr>
+      <p:grpSpPr>
+        <a:xfrm>
+          <a:off x="0" y="0"/>
+          <a:ext cx="0" cy="0"/>
+          <a:chOff x="0" y="0"/>
+          <a:chExt cx="0" cy="0"/>
+        </a:xfrm>
+      </p:grpSpPr>
+      <p:sp>
+        <p:nvSpPr>
+          <p:cNvPr id="2" name="Slide Image Placeholder 1"/>
+          <p:cNvSpPr>
+            <a:spLocks noGrp="1" noRot="1" noChangeAspect="1"/>
+          </p:cNvSpPr>
+          <p:nvPr>
+            <p:ph type="sldImg"/>
+          </p:nvPr>
+        </p:nvSpPr>
+        <p:spPr/>
+      </p:sp>
+      <p:sp>
+        <p:nvSpPr>
+          <p:cNvPr id="3" name="Notes Placeholder 2"/>
+          <p:cNvSpPr>
+            <a:spLocks noGrp="1"/>
+          </p:cNvSpPr>
+          <p:nvPr>
+            <p:ph type="body" idx="1"/>
+          </p:nvPr>
+        </p:nvSpPr>
+        <p:spPr/>
+        <p:txBody>
+          <a:bodyPr/>
+          <a:lstStyle/>
+          <a:p>
+            <a:r>
+              <a:rPr lang="en-US" dirty="0"/>
+              <a:t>These are the steps that are carried out when executing any program in a computer system. So, first of all the program to be executed must be stored in computer’s storage device. Once we know which program to run, we load that program into system memory (RAM) from the secondary storage. Now that a program is ready for execution, we need to load the starting instruction into the processor for execution to begin but before we do that, the CPU state must be set appropriately (kernel or user).</a:t>
+            </a:r>
+          </a:p>
+          <a:p>
+            <a:r>
+              <a:rPr lang="en-US" dirty="0"/>
+              <a:t>All of these tasks are handled by the operating system and modern operating systems have made our job easier by carrying out multiple tasks in a shared environment. This increases the complexity of the system but results in more advanced systems that can handle much bigger tasks then initially possible.</a:t>
+            </a:r>
+          </a:p>
+        </p:txBody>
+      </p:sp>
+      <p:sp>
+        <p:nvSpPr>
+          <p:cNvPr id="4" name="Slide Number Placeholder 3"/>
+          <p:cNvSpPr>
+            <a:spLocks noGrp="1"/>
+          </p:cNvSpPr>
+          <p:nvPr>
+            <p:ph type="sldNum" sz="quarter" idx="5"/>
+          </p:nvPr>
+        </p:nvSpPr>
+        <p:spPr/>
+        <p:txBody>
+          <a:bodyPr/>
+          <a:lstStyle/>
+          <a:p>
+            <a:fld id="{74BA96E1-2421-4124-8FA8-2A7F0CE7938D}" type="slidenum">
+              <a:rPr lang="en-US" smtClean="0"/>
+              <a:t>7</a:t>
+            </a:fld>
+            <a:endParaRPr lang="en-US"/>
+          </a:p>
+        </p:txBody>
+      </p:sp>
+    </p:spTree>
+    <p:extLst>
+      <p:ext uri="{BB962C8B-B14F-4D97-AF65-F5344CB8AC3E}">
+        <p14:creationId xmlns:p14="http://schemas.microsoft.com/office/powerpoint/2010/main" val="2473093112"/>
+      </p:ext>
+    </p:extLst>
+  </p:cSld>
+  <p:clrMapOvr>
+    <a:masterClrMapping/>
+  </p:clrMapOvr>
+</p:notes>
+</file>
+
+<file path=ppt/notesSlides/notesSlide4.xml><?xml version="1.0" encoding="utf-8"?>
+<p:notes xmlns:a="http://schemas.openxmlformats.org/drawingml/2006/main" xmlns:r="http://schemas.openxmlformats.org/officeDocument/2006/relationships" xmlns:p="http://schemas.openxmlformats.org/presentationml/2006/main">
+  <p:cSld>
+    <p:spTree>
+      <p:nvGrpSpPr>
+        <p:cNvPr id="1" name=""/>
+        <p:cNvGrpSpPr/>
+        <p:nvPr/>
+      </p:nvGrpSpPr>
+      <p:grpSpPr>
+        <a:xfrm>
+          <a:off x="0" y="0"/>
+          <a:ext cx="0" cy="0"/>
+          <a:chOff x="0" y="0"/>
+          <a:chExt cx="0" cy="0"/>
+        </a:xfrm>
+      </p:grpSpPr>
+      <p:sp>
+        <p:nvSpPr>
+          <p:cNvPr id="2" name="Slide Image Placeholder 1"/>
+          <p:cNvSpPr>
+            <a:spLocks noGrp="1" noRot="1" noChangeAspect="1"/>
+          </p:cNvSpPr>
+          <p:nvPr>
+            <p:ph type="sldImg"/>
+          </p:nvPr>
+        </p:nvSpPr>
+        <p:spPr/>
+      </p:sp>
+      <p:sp>
+        <p:nvSpPr>
+          <p:cNvPr id="3" name="Notes Placeholder 2"/>
+          <p:cNvSpPr>
+            <a:spLocks noGrp="1"/>
+          </p:cNvSpPr>
+          <p:nvPr>
+            <p:ph type="body" idx="1"/>
+          </p:nvPr>
+        </p:nvSpPr>
+        <p:spPr/>
+        <p:txBody>
+          <a:bodyPr/>
+          <a:lstStyle/>
+          <a:p>
+            <a:r>
+              <a:rPr lang="en-US" dirty="0"/>
+              <a:t>These are the modern day personal computer systems. Here the priority is to carry out user tasks and not utilizing the full I/O potential or processor load. A major example is smartphones where only the tasks required by the user are performed and all other background tasks are kept to a minimum.</a:t>
+            </a:r>
+          </a:p>
+          <a:p>
+            <a:r>
+              <a:rPr lang="en-US" dirty="0"/>
+              <a:t>These systems do not need excessive hardware resources to carry out tasks as they are usually used in less complex environments, same like a laptop or smartphone where tasks and system load are usually smaller compared to that of servers or large distributed systems.</a:t>
+            </a:r>
+          </a:p>
+          <a:p>
+            <a:r>
+              <a:rPr lang="en-US" dirty="0"/>
+              <a:t>Similarly we do not expect user to dig deeper and access the areas of systems usually left to the professionals. The user here needs the task to be done rather than knowing how the task is done, so this form of information is usually hidden from the users.</a:t>
+            </a:r>
+          </a:p>
+        </p:txBody>
+      </p:sp>
+      <p:sp>
+        <p:nvSpPr>
+          <p:cNvPr id="4" name="Slide Number Placeholder 3"/>
+          <p:cNvSpPr>
+            <a:spLocks noGrp="1"/>
+          </p:cNvSpPr>
+          <p:nvPr>
+            <p:ph type="sldNum" sz="quarter" idx="5"/>
+          </p:nvPr>
+        </p:nvSpPr>
+        <p:spPr/>
+        <p:txBody>
+          <a:bodyPr/>
+          <a:lstStyle/>
+          <a:p>
+            <a:fld id="{74BA96E1-2421-4124-8FA8-2A7F0CE7938D}" type="slidenum">
+              <a:rPr lang="en-US" smtClean="0"/>
+              <a:t>9</a:t>
+            </a:fld>
+            <a:endParaRPr lang="en-US"/>
+          </a:p>
+        </p:txBody>
+      </p:sp>
+    </p:spTree>
+    <p:extLst>
+      <p:ext uri="{BB962C8B-B14F-4D97-AF65-F5344CB8AC3E}">
+        <p14:creationId xmlns:p14="http://schemas.microsoft.com/office/powerpoint/2010/main" val="383457097"/>
+      </p:ext>
+    </p:extLst>
+  </p:cSld>
+  <p:clrMapOvr>
+    <a:masterClrMapping/>
+  </p:clrMapOvr>
+</p:notes>
+</file>
+
+<file path=ppt/notesSlides/notesSlide5.xml><?xml version="1.0" encoding="utf-8"?>
+<p:notes xmlns:a="http://schemas.openxmlformats.org/drawingml/2006/main" xmlns:r="http://schemas.openxmlformats.org/officeDocument/2006/relationships" xmlns:p="http://schemas.openxmlformats.org/presentationml/2006/main">
+  <p:cSld>
+    <p:spTree>
+      <p:nvGrpSpPr>
+        <p:cNvPr id="1" name=""/>
+        <p:cNvGrpSpPr/>
+        <p:nvPr/>
+      </p:nvGrpSpPr>
+      <p:grpSpPr>
+        <a:xfrm>
+          <a:off x="0" y="0"/>
+          <a:ext cx="0" cy="0"/>
+          <a:chOff x="0" y="0"/>
+          <a:chExt cx="0" cy="0"/>
+        </a:xfrm>
+      </p:grpSpPr>
+      <p:sp>
+        <p:nvSpPr>
+          <p:cNvPr id="2" name="Slide Image Placeholder 1"/>
+          <p:cNvSpPr>
+            <a:spLocks noGrp="1" noRot="1" noChangeAspect="1"/>
+          </p:cNvSpPr>
+          <p:nvPr>
+            <p:ph type="sldImg"/>
+          </p:nvPr>
+        </p:nvSpPr>
+        <p:spPr/>
+      </p:sp>
+      <p:sp>
+        <p:nvSpPr>
+          <p:cNvPr id="3" name="Notes Placeholder 2"/>
+          <p:cNvSpPr>
+            <a:spLocks noGrp="1"/>
+          </p:cNvSpPr>
+          <p:nvPr>
+            <p:ph type="body" idx="1"/>
+          </p:nvPr>
+        </p:nvSpPr>
+        <p:spPr/>
+        <p:txBody>
+          <a:bodyPr/>
+          <a:lstStyle/>
+          <a:p>
+            <a:r>
+              <a:rPr lang="en-US" dirty="0"/>
+              <a:t>Modern day server systems, where resources are shared among many users or systems being used in industrial applications. Here the major requirement is to complete as much jobs as possible due to high running costs of these systems. So, it is more beneficial to execute a pool of jobs while system is running rather than firing up the system each time a job needs processing. However this may not be the case as these systems are usually designed and required by large computation environments and downtime is usually kept at a minimum.</a:t>
+            </a:r>
+          </a:p>
+        </p:txBody>
+      </p:sp>
+      <p:sp>
+        <p:nvSpPr>
+          <p:cNvPr id="4" name="Slide Number Placeholder 3"/>
+          <p:cNvSpPr>
+            <a:spLocks noGrp="1"/>
+          </p:cNvSpPr>
+          <p:nvPr>
+            <p:ph type="sldNum" sz="quarter" idx="5"/>
+          </p:nvPr>
+        </p:nvSpPr>
+        <p:spPr/>
+        <p:txBody>
+          <a:bodyPr/>
+          <a:lstStyle/>
+          <a:p>
+            <a:fld id="{74BA96E1-2421-4124-8FA8-2A7F0CE7938D}" type="slidenum">
+              <a:rPr lang="en-US" smtClean="0"/>
+              <a:t>12</a:t>
+            </a:fld>
+            <a:endParaRPr lang="en-US"/>
+          </a:p>
+        </p:txBody>
+      </p:sp>
+    </p:spTree>
+    <p:extLst>
+      <p:ext uri="{BB962C8B-B14F-4D97-AF65-F5344CB8AC3E}">
+        <p14:creationId xmlns:p14="http://schemas.microsoft.com/office/powerpoint/2010/main" val="2732218326"/>
+      </p:ext>
+    </p:extLst>
+  </p:cSld>
+  <p:clrMapOvr>
+    <a:masterClrMapping/>
+  </p:clrMapOvr>
+</p:notes>
+</file>
+
+<file path=ppt/notesSlides/notesSlide6.xml><?xml version="1.0" encoding="utf-8"?>
+<p:notes xmlns:a="http://schemas.openxmlformats.org/drawingml/2006/main" xmlns:r="http://schemas.openxmlformats.org/officeDocument/2006/relationships" xmlns:p="http://schemas.openxmlformats.org/presentationml/2006/main">
+  <p:cSld>
+    <p:spTree>
+      <p:nvGrpSpPr>
+        <p:cNvPr id="1" name=""/>
+        <p:cNvGrpSpPr/>
+        <p:nvPr/>
+      </p:nvGrpSpPr>
+      <p:grpSpPr>
+        <a:xfrm>
+          <a:off x="0" y="0"/>
+          <a:ext cx="0" cy="0"/>
+          <a:chOff x="0" y="0"/>
+          <a:chExt cx="0" cy="0"/>
+        </a:xfrm>
+      </p:grpSpPr>
+      <p:sp>
+        <p:nvSpPr>
+          <p:cNvPr id="2" name="Slide Image Placeholder 1"/>
+          <p:cNvSpPr>
+            <a:spLocks noGrp="1" noRot="1" noChangeAspect="1"/>
+          </p:cNvSpPr>
+          <p:nvPr>
+            <p:ph type="sldImg"/>
+          </p:nvPr>
+        </p:nvSpPr>
+        <p:spPr/>
+      </p:sp>
+      <p:sp>
+        <p:nvSpPr>
+          <p:cNvPr id="3" name="Notes Placeholder 2"/>
+          <p:cNvSpPr>
+            <a:spLocks noGrp="1"/>
+          </p:cNvSpPr>
+          <p:nvPr>
+            <p:ph type="body" idx="1"/>
+          </p:nvPr>
+        </p:nvSpPr>
+        <p:spPr/>
+        <p:txBody>
+          <a:bodyPr/>
+          <a:lstStyle/>
+          <a:p>
+            <a:r>
+              <a:rPr lang="en-US" dirty="0"/>
+              <a:t>Client-server architecture is the major example where each system may handle multiple requests and allocate resources based in user’s needs.</a:t>
+            </a:r>
+          </a:p>
+        </p:txBody>
+      </p:sp>
+      <p:sp>
+        <p:nvSpPr>
+          <p:cNvPr id="4" name="Slide Number Placeholder 3"/>
+          <p:cNvSpPr>
+            <a:spLocks noGrp="1"/>
+          </p:cNvSpPr>
+          <p:nvPr>
+            <p:ph type="sldNum" sz="quarter" idx="5"/>
+          </p:nvPr>
+        </p:nvSpPr>
+        <p:spPr/>
+        <p:txBody>
+          <a:bodyPr/>
+          <a:lstStyle/>
+          <a:p>
+            <a:fld id="{74BA96E1-2421-4124-8FA8-2A7F0CE7938D}" type="slidenum">
+              <a:rPr lang="en-US" smtClean="0"/>
+              <a:t>13</a:t>
+            </a:fld>
+            <a:endParaRPr lang="en-US"/>
+          </a:p>
+        </p:txBody>
+      </p:sp>
+    </p:spTree>
+    <p:extLst>
+      <p:ext uri="{BB962C8B-B14F-4D97-AF65-F5344CB8AC3E}">
+        <p14:creationId xmlns:p14="http://schemas.microsoft.com/office/powerpoint/2010/main" val="1130230030"/>
+      </p:ext>
+    </p:extLst>
+  </p:cSld>
+  <p:clrMapOvr>
+    <a:masterClrMapping/>
+  </p:clrMapOvr>
+</p:notes>
+</file>
+
+<file path=ppt/notesSlides/notesSlide7.xml><?xml version="1.0" encoding="utf-8"?>
+<p:notes xmlns:a="http://schemas.openxmlformats.org/drawingml/2006/main" xmlns:r="http://schemas.openxmlformats.org/officeDocument/2006/relationships" xmlns:p="http://schemas.openxmlformats.org/presentationml/2006/main">
+  <p:cSld>
+    <p:spTree>
+      <p:nvGrpSpPr>
+        <p:cNvPr id="1" name=""/>
+        <p:cNvGrpSpPr/>
+        <p:nvPr/>
+      </p:nvGrpSpPr>
+      <p:grpSpPr>
+        <a:xfrm>
+          <a:off x="0" y="0"/>
+          <a:ext cx="0" cy="0"/>
+          <a:chOff x="0" y="0"/>
+          <a:chExt cx="0" cy="0"/>
+        </a:xfrm>
+      </p:grpSpPr>
+      <p:sp>
+        <p:nvSpPr>
+          <p:cNvPr id="2" name="Slide Image Placeholder 1"/>
+          <p:cNvSpPr>
+            <a:spLocks noGrp="1" noRot="1" noChangeAspect="1"/>
+          </p:cNvSpPr>
+          <p:nvPr>
+            <p:ph type="sldImg"/>
+          </p:nvPr>
+        </p:nvSpPr>
+        <p:spPr/>
+      </p:sp>
+      <p:sp>
+        <p:nvSpPr>
+          <p:cNvPr id="3" name="Notes Placeholder 2"/>
+          <p:cNvSpPr>
+            <a:spLocks noGrp="1"/>
+          </p:cNvSpPr>
+          <p:nvPr>
+            <p:ph type="body" idx="1"/>
+          </p:nvPr>
+        </p:nvSpPr>
+        <p:spPr/>
+        <p:txBody>
+          <a:bodyPr/>
+          <a:lstStyle/>
+          <a:p>
+            <a:r>
+              <a:rPr lang="en-US" dirty="0"/>
+              <a:t>Every system nowadays is some form of real time system where usually the system is executed as a soft real time system in usual state but may switch to a hard real time system when a need arises. A major example is the computer system, where it may carry out tasks as a soft system normally but in case of some form of system failure, the system may switch to acting as a hard real time system to protect user and computer’s resources.</a:t>
+            </a:r>
+          </a:p>
+        </p:txBody>
+      </p:sp>
+      <p:sp>
+        <p:nvSpPr>
+          <p:cNvPr id="4" name="Slide Number Placeholder 3"/>
+          <p:cNvSpPr>
+            <a:spLocks noGrp="1"/>
+          </p:cNvSpPr>
+          <p:nvPr>
+            <p:ph type="sldNum" sz="quarter" idx="5"/>
+          </p:nvPr>
+        </p:nvSpPr>
+        <p:spPr/>
+        <p:txBody>
+          <a:bodyPr/>
+          <a:lstStyle/>
+          <a:p>
+            <a:fld id="{74BA96E1-2421-4124-8FA8-2A7F0CE7938D}" type="slidenum">
+              <a:rPr lang="en-US" smtClean="0"/>
+              <a:t>16</a:t>
+            </a:fld>
+            <a:endParaRPr lang="en-US"/>
+          </a:p>
+        </p:txBody>
+      </p:sp>
+    </p:spTree>
+    <p:extLst>
+      <p:ext uri="{BB962C8B-B14F-4D97-AF65-F5344CB8AC3E}">
+        <p14:creationId xmlns:p14="http://schemas.microsoft.com/office/powerpoint/2010/main" val="3255797587"/>
+      </p:ext>
+    </p:extLst>
+  </p:cSld>
+  <p:clrMapOvr>
+    <a:masterClrMapping/>
+  </p:clrMapOvr>
+</p:notes>
+</file>
+
 <file path=ppt/slideLayouts/slideLayout1.xml><?xml version="1.0" encoding="utf-8"?>
 <p:sldLayout xmlns:a="http://schemas.openxmlformats.org/drawingml/2006/main" xmlns:r="http://schemas.openxmlformats.org/officeDocument/2006/relationships" xmlns:p="http://schemas.openxmlformats.org/presentationml/2006/main" showMasterSp="0" type="title" preserve="1">
   <p:cSld name="Title Slide">
@@ -564,7 +1280,7 @@
           <a:noFill/>
           <a:extLst>
             <a:ext uri="{909E8E84-426E-40dd-AFC4-6F175D3DCCD1}">
-              <a14:hiddenFill xmlns:a14="http://schemas.microsoft.com/office/drawing/2010/main" xmlns="">
+              <a14:hiddenFill xmlns="" xmlns:a14="http://schemas.microsoft.com/office/drawing/2010/main">
                 <a:solidFill>
                   <a:srgbClr val="FFFFFF"/>
                 </a:solidFill>
@@ -623,7 +1339,7 @@
             </a:ln>
             <a:extLst>
               <a:ext uri="{91240B29-F687-4f45-9708-019B960494DF}">
-                <a14:hiddenLine xmlns:a14="http://schemas.microsoft.com/office/drawing/2010/main" xmlns="" w="9525">
+                <a14:hiddenLine xmlns="" xmlns:a14="http://schemas.microsoft.com/office/drawing/2010/main" w="9525">
                   <a:solidFill>
                     <a:srgbClr val="000000"/>
                   </a:solidFill>
@@ -713,7 +1429,7 @@
             </a:ln>
             <a:extLst>
               <a:ext uri="{91240B29-F687-4f45-9708-019B960494DF}">
-                <a14:hiddenLine xmlns:a14="http://schemas.microsoft.com/office/drawing/2010/main" xmlns="" w="9525">
+                <a14:hiddenLine xmlns="" xmlns:a14="http://schemas.microsoft.com/office/drawing/2010/main" w="9525">
                   <a:solidFill>
                     <a:srgbClr val="000000"/>
                   </a:solidFill>
@@ -803,7 +1519,7 @@
             </a:ln>
             <a:extLst>
               <a:ext uri="{91240B29-F687-4f45-9708-019B960494DF}">
-                <a14:hiddenLine xmlns:a14="http://schemas.microsoft.com/office/drawing/2010/main" xmlns="" w="9525">
+                <a14:hiddenLine xmlns="" xmlns:a14="http://schemas.microsoft.com/office/drawing/2010/main" w="9525">
                   <a:solidFill>
                     <a:srgbClr val="000000"/>
                   </a:solidFill>
@@ -837,7 +1553,7 @@
             </a:ln>
             <a:extLst>
               <a:ext uri="{91240B29-F687-4f45-9708-019B960494DF}">
-                <a14:hiddenLine xmlns:a14="http://schemas.microsoft.com/office/drawing/2010/main" xmlns="" w="9525">
+                <a14:hiddenLine xmlns="" xmlns:a14="http://schemas.microsoft.com/office/drawing/2010/main" w="9525">
                   <a:solidFill>
                     <a:srgbClr val="000000"/>
                   </a:solidFill>
@@ -927,7 +1643,7 @@
             </a:ln>
             <a:extLst>
               <a:ext uri="{91240B29-F687-4f45-9708-019B960494DF}">
-                <a14:hiddenLine xmlns:a14="http://schemas.microsoft.com/office/drawing/2010/main" xmlns="" w="9525">
+                <a14:hiddenLine xmlns="" xmlns:a14="http://schemas.microsoft.com/office/drawing/2010/main" w="9525">
                   <a:solidFill>
                     <a:srgbClr val="000000"/>
                   </a:solidFill>
@@ -989,7 +1705,7 @@
             </a:ln>
             <a:extLst>
               <a:ext uri="{91240B29-F687-4f45-9708-019B960494DF}">
-                <a14:hiddenLine xmlns:a14="http://schemas.microsoft.com/office/drawing/2010/main" xmlns="" w="9525">
+                <a14:hiddenLine xmlns="" xmlns:a14="http://schemas.microsoft.com/office/drawing/2010/main" w="9525">
                   <a:solidFill>
                     <a:srgbClr val="000000"/>
                   </a:solidFill>
@@ -1051,7 +1767,7 @@
             </a:ln>
             <a:extLst>
               <a:ext uri="{91240B29-F687-4f45-9708-019B960494DF}">
-                <a14:hiddenLine xmlns:a14="http://schemas.microsoft.com/office/drawing/2010/main" xmlns="" w="9525">
+                <a14:hiddenLine xmlns="" xmlns:a14="http://schemas.microsoft.com/office/drawing/2010/main" w="9525">
                   <a:solidFill>
                     <a:srgbClr val="000000"/>
                   </a:solidFill>
@@ -1141,7 +1857,7 @@
             </a:ln>
             <a:extLst>
               <a:ext uri="{91240B29-F687-4f45-9708-019B960494DF}">
-                <a14:hiddenLine xmlns:a14="http://schemas.microsoft.com/office/drawing/2010/main" xmlns="" w="9525">
+                <a14:hiddenLine xmlns="" xmlns:a14="http://schemas.microsoft.com/office/drawing/2010/main" w="9525">
                   <a:solidFill>
                     <a:srgbClr val="000000"/>
                   </a:solidFill>
@@ -1203,7 +1919,7 @@
             </a:ln>
             <a:extLst>
               <a:ext uri="{91240B29-F687-4f45-9708-019B960494DF}">
-                <a14:hiddenLine xmlns:a14="http://schemas.microsoft.com/office/drawing/2010/main" xmlns="" w="9525">
+                <a14:hiddenLine xmlns="" xmlns:a14="http://schemas.microsoft.com/office/drawing/2010/main" w="9525">
                   <a:solidFill>
                     <a:srgbClr val="000000"/>
                   </a:solidFill>
@@ -1265,7 +1981,7 @@
             </a:ln>
             <a:extLst>
               <a:ext uri="{91240B29-F687-4f45-9708-019B960494DF}">
-                <a14:hiddenLine xmlns:a14="http://schemas.microsoft.com/office/drawing/2010/main" xmlns="" w="9525">
+                <a14:hiddenLine xmlns="" xmlns:a14="http://schemas.microsoft.com/office/drawing/2010/main" w="9525">
                   <a:solidFill>
                     <a:srgbClr val="000000"/>
                   </a:solidFill>
@@ -1355,7 +2071,7 @@
             </a:ln>
             <a:extLst>
               <a:ext uri="{91240B29-F687-4f45-9708-019B960494DF}">
-                <a14:hiddenLine xmlns:a14="http://schemas.microsoft.com/office/drawing/2010/main" xmlns="" w="9525">
+                <a14:hiddenLine xmlns="" xmlns:a14="http://schemas.microsoft.com/office/drawing/2010/main" w="9525">
                   <a:solidFill>
                     <a:srgbClr val="000000"/>
                   </a:solidFill>
@@ -1445,7 +2161,7 @@
             </a:ln>
             <a:extLst>
               <a:ext uri="{91240B29-F687-4f45-9708-019B960494DF}">
-                <a14:hiddenLine xmlns:a14="http://schemas.microsoft.com/office/drawing/2010/main" xmlns="" w="9525">
+                <a14:hiddenLine xmlns="" xmlns:a14="http://schemas.microsoft.com/office/drawing/2010/main" w="9525">
                   <a:solidFill>
                     <a:srgbClr val="000000"/>
                   </a:solidFill>
@@ -1507,7 +2223,7 @@
             </a:ln>
             <a:extLst>
               <a:ext uri="{91240B29-F687-4f45-9708-019B960494DF}">
-                <a14:hiddenLine xmlns:a14="http://schemas.microsoft.com/office/drawing/2010/main" xmlns="" w="9525">
+                <a14:hiddenLine xmlns="" xmlns:a14="http://schemas.microsoft.com/office/drawing/2010/main" w="9525">
                   <a:solidFill>
                     <a:srgbClr val="000000"/>
                   </a:solidFill>
@@ -1617,7 +2333,7 @@
             </a:ln>
             <a:extLst>
               <a:ext uri="{91240B29-F687-4f45-9708-019B960494DF}">
-                <a14:hiddenLine xmlns:a14="http://schemas.microsoft.com/office/drawing/2010/main" xmlns="" w="9525">
+                <a14:hiddenLine xmlns="" xmlns:a14="http://schemas.microsoft.com/office/drawing/2010/main" w="9525">
                   <a:solidFill>
                     <a:srgbClr val="000000"/>
                   </a:solidFill>
@@ -1679,7 +2395,7 @@
             </a:ln>
             <a:extLst>
               <a:ext uri="{91240B29-F687-4f45-9708-019B960494DF}">
-                <a14:hiddenLine xmlns:a14="http://schemas.microsoft.com/office/drawing/2010/main" xmlns="" w="9525">
+                <a14:hiddenLine xmlns="" xmlns:a14="http://schemas.microsoft.com/office/drawing/2010/main" w="9525">
                   <a:solidFill>
                     <a:srgbClr val="000000"/>
                   </a:solidFill>
@@ -1769,7 +2485,7 @@
             </a:ln>
             <a:extLst>
               <a:ext uri="{91240B29-F687-4f45-9708-019B960494DF}">
-                <a14:hiddenLine xmlns:a14="http://schemas.microsoft.com/office/drawing/2010/main" xmlns="" w="9525">
+                <a14:hiddenLine xmlns="" xmlns:a14="http://schemas.microsoft.com/office/drawing/2010/main" w="9525">
                   <a:solidFill>
                     <a:srgbClr val="000000"/>
                   </a:solidFill>
@@ -1859,7 +2575,7 @@
             </a:ln>
             <a:extLst>
               <a:ext uri="{91240B29-F687-4f45-9708-019B960494DF}">
-                <a14:hiddenLine xmlns:a14="http://schemas.microsoft.com/office/drawing/2010/main" xmlns="" w="9525">
+                <a14:hiddenLine xmlns="" xmlns:a14="http://schemas.microsoft.com/office/drawing/2010/main" w="9525">
                   <a:solidFill>
                     <a:srgbClr val="000000"/>
                   </a:solidFill>
@@ -1921,7 +2637,7 @@
             </a:ln>
             <a:extLst>
               <a:ext uri="{91240B29-F687-4f45-9708-019B960494DF}">
-                <a14:hiddenLine xmlns:a14="http://schemas.microsoft.com/office/drawing/2010/main" xmlns="" w="9525">
+                <a14:hiddenLine xmlns="" xmlns:a14="http://schemas.microsoft.com/office/drawing/2010/main" w="9525">
                   <a:solidFill>
                     <a:srgbClr val="000000"/>
                   </a:solidFill>
@@ -2011,7 +2727,7 @@
             </a:ln>
             <a:extLst>
               <a:ext uri="{91240B29-F687-4f45-9708-019B960494DF}">
-                <a14:hiddenLine xmlns:a14="http://schemas.microsoft.com/office/drawing/2010/main" xmlns="" w="9525">
+                <a14:hiddenLine xmlns="" xmlns:a14="http://schemas.microsoft.com/office/drawing/2010/main" w="9525">
                   <a:solidFill>
                     <a:srgbClr val="000000"/>
                   </a:solidFill>
@@ -2101,7 +2817,7 @@
             </a:ln>
             <a:extLst>
               <a:ext uri="{91240B29-F687-4f45-9708-019B960494DF}">
-                <a14:hiddenLine xmlns:a14="http://schemas.microsoft.com/office/drawing/2010/main" xmlns="" w="9525">
+                <a14:hiddenLine xmlns="" xmlns:a14="http://schemas.microsoft.com/office/drawing/2010/main" w="9525">
                   <a:solidFill>
                     <a:srgbClr val="000000"/>
                   </a:solidFill>
@@ -2157,7 +2873,7 @@
             </a:ln>
             <a:extLst>
               <a:ext uri="{91240B29-F687-4f45-9708-019B960494DF}">
-                <a14:hiddenLine xmlns:a14="http://schemas.microsoft.com/office/drawing/2010/main" xmlns="" w="9525">
+                <a14:hiddenLine xmlns="" xmlns:a14="http://schemas.microsoft.com/office/drawing/2010/main" w="9525">
                   <a:solidFill>
                     <a:srgbClr val="000000"/>
                   </a:solidFill>
@@ -2247,7 +2963,7 @@
             </a:ln>
             <a:extLst>
               <a:ext uri="{91240B29-F687-4f45-9708-019B960494DF}">
-                <a14:hiddenLine xmlns:a14="http://schemas.microsoft.com/office/drawing/2010/main" xmlns="" w="9525">
+                <a14:hiddenLine xmlns="" xmlns:a14="http://schemas.microsoft.com/office/drawing/2010/main" w="9525">
                   <a:solidFill>
                     <a:srgbClr val="000000"/>
                   </a:solidFill>
@@ -2303,7 +3019,7 @@
             </a:ln>
             <a:extLst>
               <a:ext uri="{91240B29-F687-4f45-9708-019B960494DF}">
-                <a14:hiddenLine xmlns:a14="http://schemas.microsoft.com/office/drawing/2010/main" xmlns="" w="9525">
+                <a14:hiddenLine xmlns="" xmlns:a14="http://schemas.microsoft.com/office/drawing/2010/main" w="9525">
                   <a:solidFill>
                     <a:srgbClr val="000000"/>
                   </a:solidFill>
@@ -2393,7 +3109,7 @@
             </a:ln>
             <a:extLst>
               <a:ext uri="{91240B29-F687-4f45-9708-019B960494DF}">
-                <a14:hiddenLine xmlns:a14="http://schemas.microsoft.com/office/drawing/2010/main" xmlns="" w="9525">
+                <a14:hiddenLine xmlns="" xmlns:a14="http://schemas.microsoft.com/office/drawing/2010/main" w="9525">
                   <a:solidFill>
                     <a:srgbClr val="000000"/>
                   </a:solidFill>
@@ -2461,7 +3177,7 @@
             </a:ln>
             <a:extLst>
               <a:ext uri="{91240B29-F687-4f45-9708-019B960494DF}">
-                <a14:hiddenLine xmlns:a14="http://schemas.microsoft.com/office/drawing/2010/main" xmlns="" w="9525">
+                <a14:hiddenLine xmlns="" xmlns:a14="http://schemas.microsoft.com/office/drawing/2010/main" w="9525">
                   <a:solidFill>
                     <a:srgbClr val="000000"/>
                   </a:solidFill>
@@ -2551,7 +3267,7 @@
             </a:ln>
             <a:extLst>
               <a:ext uri="{91240B29-F687-4f45-9708-019B960494DF}">
-                <a14:hiddenLine xmlns:a14="http://schemas.microsoft.com/office/drawing/2010/main" xmlns="" w="9525">
+                <a14:hiddenLine xmlns="" xmlns:a14="http://schemas.microsoft.com/office/drawing/2010/main" w="9525">
                   <a:solidFill>
                     <a:srgbClr val="000000"/>
                   </a:solidFill>
@@ -2619,7 +3335,7 @@
             </a:ln>
             <a:extLst>
               <a:ext uri="{91240B29-F687-4f45-9708-019B960494DF}">
-                <a14:hiddenLine xmlns:a14="http://schemas.microsoft.com/office/drawing/2010/main" xmlns="" w="9525">
+                <a14:hiddenLine xmlns="" xmlns:a14="http://schemas.microsoft.com/office/drawing/2010/main" w="9525">
                   <a:solidFill>
                     <a:srgbClr val="000000"/>
                   </a:solidFill>
@@ -2709,7 +3425,7 @@
             </a:ln>
             <a:extLst>
               <a:ext uri="{91240B29-F687-4f45-9708-019B960494DF}">
-                <a14:hiddenLine xmlns:a14="http://schemas.microsoft.com/office/drawing/2010/main" xmlns="" w="9525">
+                <a14:hiddenLine xmlns="" xmlns:a14="http://schemas.microsoft.com/office/drawing/2010/main" w="9525">
                   <a:solidFill>
                     <a:srgbClr val="000000"/>
                   </a:solidFill>
@@ -2743,7 +3459,7 @@
             </a:ln>
             <a:extLst>
               <a:ext uri="{91240B29-F687-4f45-9708-019B960494DF}">
-                <a14:hiddenLine xmlns:a14="http://schemas.microsoft.com/office/drawing/2010/main" xmlns="" w="9525">
+                <a14:hiddenLine xmlns="" xmlns:a14="http://schemas.microsoft.com/office/drawing/2010/main" w="9525">
                   <a:solidFill>
                     <a:srgbClr val="000000"/>
                   </a:solidFill>
@@ -2833,7 +3549,7 @@
             </a:ln>
             <a:extLst>
               <a:ext uri="{91240B29-F687-4f45-9708-019B960494DF}">
-                <a14:hiddenLine xmlns:a14="http://schemas.microsoft.com/office/drawing/2010/main" xmlns="" w="9525">
+                <a14:hiddenLine xmlns="" xmlns:a14="http://schemas.microsoft.com/office/drawing/2010/main" w="9525">
                   <a:solidFill>
                     <a:srgbClr val="000000"/>
                   </a:solidFill>
@@ -2895,7 +3611,7 @@
             </a:ln>
             <a:extLst>
               <a:ext uri="{91240B29-F687-4f45-9708-019B960494DF}">
-                <a14:hiddenLine xmlns:a14="http://schemas.microsoft.com/office/drawing/2010/main" xmlns="" w="9525">
+                <a14:hiddenLine xmlns="" xmlns:a14="http://schemas.microsoft.com/office/drawing/2010/main" w="9525">
                   <a:solidFill>
                     <a:srgbClr val="000000"/>
                   </a:solidFill>
@@ -2957,7 +3673,7 @@
             </a:ln>
             <a:extLst>
               <a:ext uri="{91240B29-F687-4f45-9708-019B960494DF}">
-                <a14:hiddenLine xmlns:a14="http://schemas.microsoft.com/office/drawing/2010/main" xmlns="" w="9525">
+                <a14:hiddenLine xmlns="" xmlns:a14="http://schemas.microsoft.com/office/drawing/2010/main" w="9525">
                   <a:solidFill>
                     <a:srgbClr val="000000"/>
                   </a:solidFill>
@@ -3047,7 +3763,7 @@
             </a:ln>
             <a:extLst>
               <a:ext uri="{91240B29-F687-4f45-9708-019B960494DF}">
-                <a14:hiddenLine xmlns:a14="http://schemas.microsoft.com/office/drawing/2010/main" xmlns="" w="9525">
+                <a14:hiddenLine xmlns="" xmlns:a14="http://schemas.microsoft.com/office/drawing/2010/main" w="9525">
                   <a:solidFill>
                     <a:srgbClr val="000000"/>
                   </a:solidFill>
@@ -3115,7 +3831,7 @@
             </a:ln>
             <a:extLst>
               <a:ext uri="{91240B29-F687-4f45-9708-019B960494DF}">
-                <a14:hiddenLine xmlns:a14="http://schemas.microsoft.com/office/drawing/2010/main" xmlns="" w="9525">
+                <a14:hiddenLine xmlns="" xmlns:a14="http://schemas.microsoft.com/office/drawing/2010/main" w="9525">
                   <a:solidFill>
                     <a:srgbClr val="000000"/>
                   </a:solidFill>
@@ -3177,7 +3893,7 @@
             </a:ln>
             <a:extLst>
               <a:ext uri="{91240B29-F687-4f45-9708-019B960494DF}">
-                <a14:hiddenLine xmlns:a14="http://schemas.microsoft.com/office/drawing/2010/main" xmlns="" w="9525">
+                <a14:hiddenLine xmlns="" xmlns:a14="http://schemas.microsoft.com/office/drawing/2010/main" w="9525">
                   <a:solidFill>
                     <a:srgbClr val="000000"/>
                   </a:solidFill>
@@ -3267,7 +3983,7 @@
             </a:ln>
             <a:extLst>
               <a:ext uri="{91240B29-F687-4f45-9708-019B960494DF}">
-                <a14:hiddenLine xmlns:a14="http://schemas.microsoft.com/office/drawing/2010/main" xmlns="" w="9525">
+                <a14:hiddenLine xmlns="" xmlns:a14="http://schemas.microsoft.com/office/drawing/2010/main" w="9525">
                   <a:solidFill>
                     <a:srgbClr val="000000"/>
                   </a:solidFill>
@@ -3329,7 +4045,7 @@
             </a:ln>
             <a:extLst>
               <a:ext uri="{91240B29-F687-4f45-9708-019B960494DF}">
-                <a14:hiddenLine xmlns:a14="http://schemas.microsoft.com/office/drawing/2010/main" xmlns="" w="9525">
+                <a14:hiddenLine xmlns="" xmlns:a14="http://schemas.microsoft.com/office/drawing/2010/main" w="9525">
                   <a:solidFill>
                     <a:srgbClr val="000000"/>
                   </a:solidFill>
@@ -3419,7 +4135,7 @@
             </a:ln>
             <a:extLst>
               <a:ext uri="{91240B29-F687-4f45-9708-019B960494DF}">
-                <a14:hiddenLine xmlns:a14="http://schemas.microsoft.com/office/drawing/2010/main" xmlns="" w="9525">
+                <a14:hiddenLine xmlns="" xmlns:a14="http://schemas.microsoft.com/office/drawing/2010/main" w="9525">
                   <a:solidFill>
                     <a:srgbClr val="000000"/>
                   </a:solidFill>
@@ -3481,7 +4197,7 @@
             </a:ln>
             <a:extLst>
               <a:ext uri="{91240B29-F687-4f45-9708-019B960494DF}">
-                <a14:hiddenLine xmlns:a14="http://schemas.microsoft.com/office/drawing/2010/main" xmlns="" w="9525">
+                <a14:hiddenLine xmlns="" xmlns:a14="http://schemas.microsoft.com/office/drawing/2010/main" w="9525">
                   <a:solidFill>
                     <a:srgbClr val="000000"/>
                   </a:solidFill>
@@ -3571,7 +4287,7 @@
             </a:ln>
             <a:extLst>
               <a:ext uri="{91240B29-F687-4f45-9708-019B960494DF}">
-                <a14:hiddenLine xmlns:a14="http://schemas.microsoft.com/office/drawing/2010/main" xmlns="" w="9525">
+                <a14:hiddenLine xmlns="" xmlns:a14="http://schemas.microsoft.com/office/drawing/2010/main" w="9525">
                   <a:solidFill>
                     <a:srgbClr val="000000"/>
                   </a:solidFill>
@@ -3605,7 +4321,7 @@
             </a:ln>
             <a:extLst>
               <a:ext uri="{91240B29-F687-4f45-9708-019B960494DF}">
-                <a14:hiddenLine xmlns:a14="http://schemas.microsoft.com/office/drawing/2010/main" xmlns="" w="9525">
+                <a14:hiddenLine xmlns="" xmlns:a14="http://schemas.microsoft.com/office/drawing/2010/main" w="9525">
                   <a:solidFill>
                     <a:srgbClr val="000000"/>
                   </a:solidFill>
@@ -3670,7 +4386,7 @@
             </a:ln>
             <a:extLst>
               <a:ext uri="{91240B29-F687-4f45-9708-019B960494DF}">
-                <a14:hiddenLine xmlns:a14="http://schemas.microsoft.com/office/drawing/2010/main" xmlns="" w="9525">
+                <a14:hiddenLine xmlns="" xmlns:a14="http://schemas.microsoft.com/office/drawing/2010/main" w="9525">
                   <a:solidFill>
                     <a:srgbClr val="000000"/>
                   </a:solidFill>
@@ -3760,7 +4476,7 @@
             </a:ln>
             <a:extLst>
               <a:ext uri="{91240B29-F687-4f45-9708-019B960494DF}">
-                <a14:hiddenLine xmlns:a14="http://schemas.microsoft.com/office/drawing/2010/main" xmlns="" w="9525">
+                <a14:hiddenLine xmlns="" xmlns:a14="http://schemas.microsoft.com/office/drawing/2010/main" w="9525">
                   <a:solidFill>
                     <a:srgbClr val="000000"/>
                   </a:solidFill>
@@ -3822,7 +4538,7 @@
             </a:ln>
             <a:extLst>
               <a:ext uri="{91240B29-F687-4f45-9708-019B960494DF}">
-                <a14:hiddenLine xmlns:a14="http://schemas.microsoft.com/office/drawing/2010/main" xmlns="" w="9525">
+                <a14:hiddenLine xmlns="" xmlns:a14="http://schemas.microsoft.com/office/drawing/2010/main" w="9525">
                   <a:solidFill>
                     <a:srgbClr val="000000"/>
                   </a:solidFill>
@@ -3912,7 +4628,7 @@
             </a:ln>
             <a:extLst>
               <a:ext uri="{91240B29-F687-4f45-9708-019B960494DF}">
-                <a14:hiddenLine xmlns:a14="http://schemas.microsoft.com/office/drawing/2010/main" xmlns="" w="9525">
+                <a14:hiddenLine xmlns="" xmlns:a14="http://schemas.microsoft.com/office/drawing/2010/main" w="9525">
                   <a:solidFill>
                     <a:srgbClr val="000000"/>
                   </a:solidFill>
@@ -4002,7 +4718,7 @@
             </a:ln>
             <a:extLst>
               <a:ext uri="{91240B29-F687-4f45-9708-019B960494DF}">
-                <a14:hiddenLine xmlns:a14="http://schemas.microsoft.com/office/drawing/2010/main" xmlns="" w="9525">
+                <a14:hiddenLine xmlns="" xmlns:a14="http://schemas.microsoft.com/office/drawing/2010/main" w="9525">
                   <a:solidFill>
                     <a:srgbClr val="000000"/>
                   </a:solidFill>
@@ -4067,7 +4783,7 @@
             </a:ln>
             <a:extLst>
               <a:ext uri="{91240B29-F687-4f45-9708-019B960494DF}">
-                <a14:hiddenLine xmlns:a14="http://schemas.microsoft.com/office/drawing/2010/main" xmlns="" w="9525">
+                <a14:hiddenLine xmlns="" xmlns:a14="http://schemas.microsoft.com/office/drawing/2010/main" w="9525">
                   <a:solidFill>
                     <a:srgbClr val="000000"/>
                   </a:solidFill>
@@ -4129,7 +4845,7 @@
             </a:ln>
             <a:extLst>
               <a:ext uri="{91240B29-F687-4f45-9708-019B960494DF}">
-                <a14:hiddenLine xmlns:a14="http://schemas.microsoft.com/office/drawing/2010/main" xmlns="" w="9525">
+                <a14:hiddenLine xmlns="" xmlns:a14="http://schemas.microsoft.com/office/drawing/2010/main" w="9525">
                   <a:solidFill>
                     <a:srgbClr val="000000"/>
                   </a:solidFill>
@@ -4219,7 +4935,7 @@
             </a:ln>
             <a:extLst>
               <a:ext uri="{91240B29-F687-4f45-9708-019B960494DF}">
-                <a14:hiddenLine xmlns:a14="http://schemas.microsoft.com/office/drawing/2010/main" xmlns="" w="9525">
+                <a14:hiddenLine xmlns="" xmlns:a14="http://schemas.microsoft.com/office/drawing/2010/main" w="9525">
                   <a:solidFill>
                     <a:srgbClr val="000000"/>
                   </a:solidFill>
@@ -4309,7 +5025,7 @@
             </a:ln>
             <a:extLst>
               <a:ext uri="{91240B29-F687-4f45-9708-019B960494DF}">
-                <a14:hiddenLine xmlns:a14="http://schemas.microsoft.com/office/drawing/2010/main" xmlns="" w="9525">
+                <a14:hiddenLine xmlns="" xmlns:a14="http://schemas.microsoft.com/office/drawing/2010/main" w="9525">
                   <a:solidFill>
                     <a:srgbClr val="000000"/>
                   </a:solidFill>
@@ -4371,7 +5087,7 @@
             </a:ln>
             <a:extLst>
               <a:ext uri="{91240B29-F687-4f45-9708-019B960494DF}">
-                <a14:hiddenLine xmlns:a14="http://schemas.microsoft.com/office/drawing/2010/main" xmlns="" w="9525">
+                <a14:hiddenLine xmlns="" xmlns:a14="http://schemas.microsoft.com/office/drawing/2010/main" w="9525">
                   <a:solidFill>
                     <a:srgbClr val="000000"/>
                   </a:solidFill>
@@ -4491,7 +5207,7 @@
             </a:ln>
             <a:extLst>
               <a:ext uri="{91240B29-F687-4f45-9708-019B960494DF}">
-                <a14:hiddenLine xmlns:a14="http://schemas.microsoft.com/office/drawing/2010/main" xmlns="" w="9525">
+                <a14:hiddenLine xmlns="" xmlns:a14="http://schemas.microsoft.com/office/drawing/2010/main" w="9525">
                   <a:solidFill>
                     <a:srgbClr val="000000"/>
                   </a:solidFill>
@@ -4559,7 +5275,7 @@
             </a:ln>
             <a:extLst>
               <a:ext uri="{91240B29-F687-4f45-9708-019B960494DF}">
-                <a14:hiddenLine xmlns:a14="http://schemas.microsoft.com/office/drawing/2010/main" xmlns="" w="9525">
+                <a14:hiddenLine xmlns="" xmlns:a14="http://schemas.microsoft.com/office/drawing/2010/main" w="9525">
                   <a:solidFill>
                     <a:srgbClr val="000000"/>
                   </a:solidFill>
@@ -4649,7 +5365,7 @@
             </a:ln>
             <a:extLst>
               <a:ext uri="{91240B29-F687-4f45-9708-019B960494DF}">
-                <a14:hiddenLine xmlns:a14="http://schemas.microsoft.com/office/drawing/2010/main" xmlns="" w="9525">
+                <a14:hiddenLine xmlns="" xmlns:a14="http://schemas.microsoft.com/office/drawing/2010/main" w="9525">
                   <a:solidFill>
                     <a:srgbClr val="000000"/>
                   </a:solidFill>
@@ -4789,7 +5505,7 @@
           <a:p>
             <a:fld id="{E0834E93-9D16-46A5-9753-59238ADC7DAA}" type="datetime1">
               <a:rPr lang="en-US" smtClean="0"/>
-              <a:t>23-Aug-22</a:t>
+              <a:t>9/5/22</a:t>
             </a:fld>
             <a:endParaRPr lang="en-US"/>
           </a:p>
@@ -5056,7 +5772,7 @@
           <a:p>
             <a:fld id="{505E3FDC-5F70-418A-8B15-1DB66BEE34C2}" type="datetime1">
               <a:rPr lang="en-US" smtClean="0"/>
-              <a:t>23-Aug-22</a:t>
+              <a:t>9/5/22</a:t>
             </a:fld>
             <a:endParaRPr lang="en-US"/>
           </a:p>
@@ -5252,7 +5968,7 @@
           <a:p>
             <a:fld id="{04A4DD6B-4D76-438B-80FD-8DEDFC9C45E4}" type="datetime1">
               <a:rPr lang="en-US" smtClean="0"/>
-              <a:t>23-Aug-22</a:t>
+              <a:t>9/5/22</a:t>
             </a:fld>
             <a:endParaRPr lang="en-US"/>
           </a:p>
@@ -5515,7 +6231,7 @@
           <a:p>
             <a:fld id="{3C83FE14-0047-4557-AAB8-4A124C17D239}" type="datetime1">
               <a:rPr lang="en-US" smtClean="0"/>
-              <a:t>23-Aug-22</a:t>
+              <a:t>9/5/22</a:t>
             </a:fld>
             <a:endParaRPr lang="en-US"/>
           </a:p>
@@ -5949,7 +6665,7 @@
           <a:p>
             <a:fld id="{672BBB41-913D-4E34-BD6B-7D675B782C33}" type="datetime1">
               <a:rPr lang="en-US" smtClean="0"/>
-              <a:t>23-Aug-22</a:t>
+              <a:t>9/5/22</a:t>
             </a:fld>
             <a:endParaRPr lang="en-US"/>
           </a:p>
@@ -6495,7 +7211,7 @@
           <a:p>
             <a:fld id="{E9D34BCB-B23E-4379-AFB1-6DCEDDD29EA9}" type="datetime1">
               <a:rPr lang="en-US" smtClean="0"/>
-              <a:t>23-Aug-22</a:t>
+              <a:t>9/5/22</a:t>
             </a:fld>
             <a:endParaRPr lang="en-US"/>
           </a:p>
@@ -7215,7 +7931,7 @@
           <a:p>
             <a:fld id="{FFCBAFEB-C7DD-4055-8A0E-3FB2AE4BA0A2}" type="datetime1">
               <a:rPr lang="en-US" smtClean="0"/>
-              <a:t>23-Aug-22</a:t>
+              <a:t>9/5/22</a:t>
             </a:fld>
             <a:endParaRPr lang="en-US"/>
           </a:p>
@@ -7385,7 +8101,7 @@
           <a:p>
             <a:fld id="{F5012062-51DD-41A3-B0ED-79D650DB5F11}" type="datetime1">
               <a:rPr lang="en-US" smtClean="0"/>
-              <a:t>23-Aug-22</a:t>
+              <a:t>9/5/22</a:t>
             </a:fld>
             <a:endParaRPr lang="en-US"/>
           </a:p>
@@ -7565,7 +8281,7 @@
           <a:p>
             <a:fld id="{DEB4C7E4-1356-42E6-A394-5B34D4B128F9}" type="datetime1">
               <a:rPr lang="en-US" smtClean="0"/>
-              <a:t>23-Aug-22</a:t>
+              <a:t>9/5/22</a:t>
             </a:fld>
             <a:endParaRPr lang="en-US"/>
           </a:p>
@@ -7735,7 +8451,7 @@
           <a:p>
             <a:fld id="{2E154519-D4E9-4FF8-818E-49549215E182}" type="datetime1">
               <a:rPr lang="en-US" smtClean="0"/>
-              <a:t>23-Aug-22</a:t>
+              <a:t>9/5/22</a:t>
             </a:fld>
             <a:endParaRPr lang="en-US"/>
           </a:p>
@@ -7985,7 +8701,7 @@
           <a:p>
             <a:fld id="{F1D7E147-4540-48BF-91D1-3925CE7FE58C}" type="datetime1">
               <a:rPr lang="en-US" smtClean="0"/>
-              <a:t>23-Aug-22</a:t>
+              <a:t>9/5/22</a:t>
             </a:fld>
             <a:endParaRPr lang="en-US"/>
           </a:p>
@@ -8217,7 +8933,7 @@
           <a:p>
             <a:fld id="{52951C85-A177-4005-9F07-49D7B102AF9D}" type="datetime1">
               <a:rPr lang="en-US" smtClean="0"/>
-              <a:t>23-Aug-22</a:t>
+              <a:t>9/5/22</a:t>
             </a:fld>
             <a:endParaRPr lang="en-US"/>
           </a:p>
@@ -8598,7 +9314,7 @@
           <a:p>
             <a:fld id="{46D3CF42-1869-4061-984D-BE3A5E3CCD66}" type="datetime1">
               <a:rPr lang="en-US" smtClean="0"/>
-              <a:t>23-Aug-22</a:t>
+              <a:t>9/5/22</a:t>
             </a:fld>
             <a:endParaRPr lang="en-US"/>
           </a:p>
@@ -8716,7 +9432,7 @@
           <a:p>
             <a:fld id="{6D1FF02E-3AE2-47F1-A261-55604B155259}" type="datetime1">
               <a:rPr lang="en-US" smtClean="0"/>
-              <a:t>23-Aug-22</a:t>
+              <a:t>9/5/22</a:t>
             </a:fld>
             <a:endParaRPr lang="en-US"/>
           </a:p>
@@ -8811,7 +9527,7 @@
           <a:p>
             <a:fld id="{22E5536C-0527-4B4A-BC3A-CDABBE44CE56}" type="datetime1">
               <a:rPr lang="en-US" smtClean="0"/>
-              <a:t>23-Aug-22</a:t>
+              <a:t>9/5/22</a:t>
             </a:fld>
             <a:endParaRPr lang="en-US"/>
           </a:p>
@@ -9060,7 +9776,7 @@
           <a:p>
             <a:fld id="{25B6CA60-56E5-41FF-95EF-66381317A2B5}" type="datetime1">
               <a:rPr lang="en-US" smtClean="0"/>
-              <a:t>23-Aug-22</a:t>
+              <a:t>9/5/22</a:t>
             </a:fld>
             <a:endParaRPr lang="en-US"/>
           </a:p>
@@ -9340,7 +10056,7 @@
           <a:p>
             <a:fld id="{00095A9C-1FCA-479A-AF69-4E20FC73B0EF}" type="datetime1">
               <a:rPr lang="en-US" smtClean="0"/>
-              <a:t>23-Aug-22</a:t>
+              <a:t>9/5/22</a:t>
             </a:fld>
             <a:endParaRPr lang="en-US"/>
           </a:p>
@@ -9463,7 +10179,7 @@
           <a:noFill/>
           <a:extLst>
             <a:ext uri="{909E8E84-426E-40dd-AFC4-6F175D3DCCD1}">
-              <a14:hiddenFill xmlns:a14="http://schemas.microsoft.com/office/drawing/2010/main" xmlns="">
+              <a14:hiddenFill xmlns="" xmlns:a14="http://schemas.microsoft.com/office/drawing/2010/main">
                 <a:solidFill>
                   <a:srgbClr val="FFFFFF"/>
                 </a:solidFill>
@@ -9537,7 +10253,7 @@
               </a:ln>
               <a:extLst>
                 <a:ext uri="{91240B29-F687-4f45-9708-019B960494DF}">
-                  <a14:hiddenLine xmlns:a14="http://schemas.microsoft.com/office/drawing/2010/main" xmlns="" w="9525">
+                  <a14:hiddenLine xmlns="" xmlns:a14="http://schemas.microsoft.com/office/drawing/2010/main" w="9525">
                     <a:solidFill>
                       <a:srgbClr val="000000"/>
                     </a:solidFill>
@@ -9627,7 +10343,7 @@
               </a:ln>
               <a:extLst>
                 <a:ext uri="{91240B29-F687-4f45-9708-019B960494DF}">
-                  <a14:hiddenLine xmlns:a14="http://schemas.microsoft.com/office/drawing/2010/main" xmlns="" w="9525">
+                  <a14:hiddenLine xmlns="" xmlns:a14="http://schemas.microsoft.com/office/drawing/2010/main" w="9525">
                     <a:solidFill>
                       <a:srgbClr val="000000"/>
                     </a:solidFill>
@@ -9717,7 +10433,7 @@
               </a:ln>
               <a:extLst>
                 <a:ext uri="{91240B29-F687-4f45-9708-019B960494DF}">
-                  <a14:hiddenLine xmlns:a14="http://schemas.microsoft.com/office/drawing/2010/main" xmlns="" w="9525">
+                  <a14:hiddenLine xmlns="" xmlns:a14="http://schemas.microsoft.com/office/drawing/2010/main" w="9525">
                     <a:solidFill>
                       <a:srgbClr val="000000"/>
                     </a:solidFill>
@@ -9779,7 +10495,7 @@
               </a:ln>
               <a:extLst>
                 <a:ext uri="{91240B29-F687-4f45-9708-019B960494DF}">
-                  <a14:hiddenLine xmlns:a14="http://schemas.microsoft.com/office/drawing/2010/main" xmlns="" w="9525">
+                  <a14:hiddenLine xmlns="" xmlns:a14="http://schemas.microsoft.com/office/drawing/2010/main" w="9525">
                     <a:solidFill>
                       <a:srgbClr val="000000"/>
                     </a:solidFill>
@@ -9869,7 +10585,7 @@
               </a:ln>
               <a:extLst>
                 <a:ext uri="{91240B29-F687-4f45-9708-019B960494DF}">
-                  <a14:hiddenLine xmlns:a14="http://schemas.microsoft.com/office/drawing/2010/main" xmlns="" w="9525">
+                  <a14:hiddenLine xmlns="" xmlns:a14="http://schemas.microsoft.com/office/drawing/2010/main" w="9525">
                     <a:solidFill>
                       <a:srgbClr val="000000"/>
                     </a:solidFill>
@@ -9931,7 +10647,7 @@
               </a:ln>
               <a:extLst>
                 <a:ext uri="{91240B29-F687-4f45-9708-019B960494DF}">
-                  <a14:hiddenLine xmlns:a14="http://schemas.microsoft.com/office/drawing/2010/main" xmlns="" w="9525">
+                  <a14:hiddenLine xmlns="" xmlns:a14="http://schemas.microsoft.com/office/drawing/2010/main" w="9525">
                     <a:solidFill>
                       <a:srgbClr val="000000"/>
                     </a:solidFill>
@@ -9993,7 +10709,7 @@
               </a:ln>
               <a:extLst>
                 <a:ext uri="{91240B29-F687-4f45-9708-019B960494DF}">
-                  <a14:hiddenLine xmlns:a14="http://schemas.microsoft.com/office/drawing/2010/main" xmlns="" w="9525">
+                  <a14:hiddenLine xmlns="" xmlns:a14="http://schemas.microsoft.com/office/drawing/2010/main" w="9525">
                     <a:solidFill>
                       <a:srgbClr val="000000"/>
                     </a:solidFill>
@@ -10083,7 +10799,7 @@
               </a:ln>
               <a:extLst>
                 <a:ext uri="{91240B29-F687-4f45-9708-019B960494DF}">
-                  <a14:hiddenLine xmlns:a14="http://schemas.microsoft.com/office/drawing/2010/main" xmlns="" w="9525">
+                  <a14:hiddenLine xmlns="" xmlns:a14="http://schemas.microsoft.com/office/drawing/2010/main" w="9525">
                     <a:solidFill>
                       <a:srgbClr val="000000"/>
                     </a:solidFill>
@@ -10173,7 +10889,7 @@
               </a:ln>
               <a:extLst>
                 <a:ext uri="{91240B29-F687-4f45-9708-019B960494DF}">
-                  <a14:hiddenLine xmlns:a14="http://schemas.microsoft.com/office/drawing/2010/main" xmlns="" w="9525">
+                  <a14:hiddenLine xmlns="" xmlns:a14="http://schemas.microsoft.com/office/drawing/2010/main" w="9525">
                     <a:solidFill>
                       <a:srgbClr val="000000"/>
                     </a:solidFill>
@@ -10235,7 +10951,7 @@
               </a:ln>
               <a:extLst>
                 <a:ext uri="{91240B29-F687-4f45-9708-019B960494DF}">
-                  <a14:hiddenLine xmlns:a14="http://schemas.microsoft.com/office/drawing/2010/main" xmlns="" w="9525">
+                  <a14:hiddenLine xmlns="" xmlns:a14="http://schemas.microsoft.com/office/drawing/2010/main" w="9525">
                     <a:solidFill>
                       <a:srgbClr val="000000"/>
                     </a:solidFill>
@@ -10345,7 +11061,7 @@
               </a:ln>
               <a:extLst>
                 <a:ext uri="{91240B29-F687-4f45-9708-019B960494DF}">
-                  <a14:hiddenLine xmlns:a14="http://schemas.microsoft.com/office/drawing/2010/main" xmlns="" w="9525">
+                  <a14:hiddenLine xmlns="" xmlns:a14="http://schemas.microsoft.com/office/drawing/2010/main" w="9525">
                     <a:solidFill>
                       <a:srgbClr val="000000"/>
                     </a:solidFill>
@@ -10429,7 +11145,7 @@
               </a:ln>
               <a:extLst>
                 <a:ext uri="{91240B29-F687-4f45-9708-019B960494DF}">
-                  <a14:hiddenLine xmlns:a14="http://schemas.microsoft.com/office/drawing/2010/main" xmlns="" w="9525">
+                  <a14:hiddenLine xmlns="" xmlns:a14="http://schemas.microsoft.com/office/drawing/2010/main" w="9525">
                     <a:solidFill>
                       <a:srgbClr val="000000"/>
                     </a:solidFill>
@@ -10491,7 +11207,7 @@
               </a:ln>
               <a:extLst>
                 <a:ext uri="{91240B29-F687-4f45-9708-019B960494DF}">
-                  <a14:hiddenLine xmlns:a14="http://schemas.microsoft.com/office/drawing/2010/main" xmlns="" w="9525">
+                  <a14:hiddenLine xmlns="" xmlns:a14="http://schemas.microsoft.com/office/drawing/2010/main" w="9525">
                     <a:solidFill>
                       <a:srgbClr val="000000"/>
                     </a:solidFill>
@@ -10553,7 +11269,7 @@
               </a:ln>
               <a:extLst>
                 <a:ext uri="{91240B29-F687-4f45-9708-019B960494DF}">
-                  <a14:hiddenLine xmlns:a14="http://schemas.microsoft.com/office/drawing/2010/main" xmlns="" w="9525">
+                  <a14:hiddenLine xmlns="" xmlns:a14="http://schemas.microsoft.com/office/drawing/2010/main" w="9525">
                     <a:solidFill>
                       <a:srgbClr val="000000"/>
                     </a:solidFill>
@@ -10643,7 +11359,7 @@
               </a:ln>
               <a:extLst>
                 <a:ext uri="{91240B29-F687-4f45-9708-019B960494DF}">
-                  <a14:hiddenLine xmlns:a14="http://schemas.microsoft.com/office/drawing/2010/main" xmlns="" w="9525">
+                  <a14:hiddenLine xmlns="" xmlns:a14="http://schemas.microsoft.com/office/drawing/2010/main" w="9525">
                     <a:solidFill>
                       <a:srgbClr val="000000"/>
                     </a:solidFill>
@@ -10677,7 +11393,7 @@
               </a:ln>
               <a:extLst>
                 <a:ext uri="{91240B29-F687-4f45-9708-019B960494DF}">
-                  <a14:hiddenLine xmlns:a14="http://schemas.microsoft.com/office/drawing/2010/main" xmlns="" w="9525">
+                  <a14:hiddenLine xmlns="" xmlns:a14="http://schemas.microsoft.com/office/drawing/2010/main" w="9525">
                     <a:solidFill>
                       <a:srgbClr val="000000"/>
                     </a:solidFill>
@@ -10742,7 +11458,7 @@
               </a:ln>
               <a:extLst>
                 <a:ext uri="{91240B29-F687-4f45-9708-019B960494DF}">
-                  <a14:hiddenLine xmlns:a14="http://schemas.microsoft.com/office/drawing/2010/main" xmlns="" w="9525">
+                  <a14:hiddenLine xmlns="" xmlns:a14="http://schemas.microsoft.com/office/drawing/2010/main" w="9525">
                     <a:solidFill>
                       <a:srgbClr val="000000"/>
                     </a:solidFill>
@@ -10832,7 +11548,7 @@
               </a:ln>
               <a:extLst>
                 <a:ext uri="{91240B29-F687-4f45-9708-019B960494DF}">
-                  <a14:hiddenLine xmlns:a14="http://schemas.microsoft.com/office/drawing/2010/main" xmlns="" w="9525">
+                  <a14:hiddenLine xmlns="" xmlns:a14="http://schemas.microsoft.com/office/drawing/2010/main" w="9525">
                     <a:solidFill>
                       <a:srgbClr val="000000"/>
                     </a:solidFill>
@@ -10894,7 +11610,7 @@
               </a:ln>
               <a:extLst>
                 <a:ext uri="{91240B29-F687-4f45-9708-019B960494DF}">
-                  <a14:hiddenLine xmlns:a14="http://schemas.microsoft.com/office/drawing/2010/main" xmlns="" w="9525">
+                  <a14:hiddenLine xmlns="" xmlns:a14="http://schemas.microsoft.com/office/drawing/2010/main" w="9525">
                     <a:solidFill>
                       <a:srgbClr val="000000"/>
                     </a:solidFill>
@@ -10984,7 +11700,7 @@
               </a:ln>
               <a:extLst>
                 <a:ext uri="{91240B29-F687-4f45-9708-019B960494DF}">
-                  <a14:hiddenLine xmlns:a14="http://schemas.microsoft.com/office/drawing/2010/main" xmlns="" w="9525">
+                  <a14:hiddenLine xmlns="" xmlns:a14="http://schemas.microsoft.com/office/drawing/2010/main" w="9525">
                     <a:solidFill>
                       <a:srgbClr val="000000"/>
                     </a:solidFill>
@@ -11049,7 +11765,7 @@
               </a:ln>
               <a:extLst>
                 <a:ext uri="{91240B29-F687-4f45-9708-019B960494DF}">
-                  <a14:hiddenLine xmlns:a14="http://schemas.microsoft.com/office/drawing/2010/main" xmlns="" w="9525">
+                  <a14:hiddenLine xmlns="" xmlns:a14="http://schemas.microsoft.com/office/drawing/2010/main" w="9525">
                     <a:solidFill>
                       <a:srgbClr val="000000"/>
                     </a:solidFill>
@@ -11111,7 +11827,7 @@
               </a:ln>
               <a:extLst>
                 <a:ext uri="{91240B29-F687-4f45-9708-019B960494DF}">
-                  <a14:hiddenLine xmlns:a14="http://schemas.microsoft.com/office/drawing/2010/main" xmlns="" w="9525">
+                  <a14:hiddenLine xmlns="" xmlns:a14="http://schemas.microsoft.com/office/drawing/2010/main" w="9525">
                     <a:solidFill>
                       <a:srgbClr val="000000"/>
                     </a:solidFill>
@@ -11201,7 +11917,7 @@
               </a:ln>
               <a:extLst>
                 <a:ext uri="{91240B29-F687-4f45-9708-019B960494DF}">
-                  <a14:hiddenLine xmlns:a14="http://schemas.microsoft.com/office/drawing/2010/main" xmlns="" w="9525">
+                  <a14:hiddenLine xmlns="" xmlns:a14="http://schemas.microsoft.com/office/drawing/2010/main" w="9525">
                     <a:solidFill>
                       <a:srgbClr val="000000"/>
                     </a:solidFill>
@@ -11291,7 +12007,7 @@
               </a:ln>
               <a:extLst>
                 <a:ext uri="{91240B29-F687-4f45-9708-019B960494DF}">
-                  <a14:hiddenLine xmlns:a14="http://schemas.microsoft.com/office/drawing/2010/main" xmlns="" w="9525">
+                  <a14:hiddenLine xmlns="" xmlns:a14="http://schemas.microsoft.com/office/drawing/2010/main" w="9525">
                     <a:solidFill>
                       <a:srgbClr val="000000"/>
                     </a:solidFill>
@@ -11356,7 +12072,7 @@
               </a:ln>
               <a:extLst>
                 <a:ext uri="{91240B29-F687-4f45-9708-019B960494DF}">
-                  <a14:hiddenLine xmlns:a14="http://schemas.microsoft.com/office/drawing/2010/main" xmlns="" w="9525">
+                  <a14:hiddenLine xmlns="" xmlns:a14="http://schemas.microsoft.com/office/drawing/2010/main" w="9525">
                     <a:solidFill>
                       <a:srgbClr val="000000"/>
                     </a:solidFill>
@@ -11476,7 +12192,7 @@
               </a:ln>
               <a:extLst>
                 <a:ext uri="{91240B29-F687-4f45-9708-019B960494DF}">
-                  <a14:hiddenLine xmlns:a14="http://schemas.microsoft.com/office/drawing/2010/main" xmlns="" w="9525">
+                  <a14:hiddenLine xmlns="" xmlns:a14="http://schemas.microsoft.com/office/drawing/2010/main" w="9525">
                     <a:solidFill>
                       <a:srgbClr val="000000"/>
                     </a:solidFill>
@@ -11557,7 +12273,7 @@
               </a:ln>
               <a:extLst>
                 <a:ext uri="{91240B29-F687-4f45-9708-019B960494DF}">
-                  <a14:hiddenLine xmlns:a14="http://schemas.microsoft.com/office/drawing/2010/main" xmlns="" w="9525">
+                  <a14:hiddenLine xmlns="" xmlns:a14="http://schemas.microsoft.com/office/drawing/2010/main" w="9525">
                     <a:solidFill>
                       <a:srgbClr val="000000"/>
                     </a:solidFill>
@@ -11672,7 +12388,7 @@
               </a:ln>
               <a:extLst>
                 <a:ext uri="{91240B29-F687-4f45-9708-019B960494DF}">
-                  <a14:hiddenLine xmlns:a14="http://schemas.microsoft.com/office/drawing/2010/main" xmlns="" w="9525">
+                  <a14:hiddenLine xmlns="" xmlns:a14="http://schemas.microsoft.com/office/drawing/2010/main" w="9525">
                     <a:solidFill>
                       <a:srgbClr val="000000"/>
                     </a:solidFill>
@@ -11762,7 +12478,7 @@
               </a:ln>
               <a:extLst>
                 <a:ext uri="{91240B29-F687-4f45-9708-019B960494DF}">
-                  <a14:hiddenLine xmlns:a14="http://schemas.microsoft.com/office/drawing/2010/main" xmlns="" w="9525">
+                  <a14:hiddenLine xmlns="" xmlns:a14="http://schemas.microsoft.com/office/drawing/2010/main" w="9525">
                     <a:solidFill>
                       <a:srgbClr val="000000"/>
                     </a:solidFill>
@@ -11827,7 +12543,7 @@
               </a:ln>
               <a:extLst>
                 <a:ext uri="{91240B29-F687-4f45-9708-019B960494DF}">
-                  <a14:hiddenLine xmlns:a14="http://schemas.microsoft.com/office/drawing/2010/main" xmlns="" w="9525">
+                  <a14:hiddenLine xmlns="" xmlns:a14="http://schemas.microsoft.com/office/drawing/2010/main" w="9525">
                     <a:solidFill>
                       <a:srgbClr val="000000"/>
                     </a:solidFill>
@@ -11917,7 +12633,7 @@
               </a:ln>
               <a:extLst>
                 <a:ext uri="{91240B29-F687-4f45-9708-019B960494DF}">
-                  <a14:hiddenLine xmlns:a14="http://schemas.microsoft.com/office/drawing/2010/main" xmlns="" w="9525">
+                  <a14:hiddenLine xmlns="" xmlns:a14="http://schemas.microsoft.com/office/drawing/2010/main" w="9525">
                     <a:solidFill>
                       <a:srgbClr val="000000"/>
                     </a:solidFill>
@@ -11985,7 +12701,7 @@
               </a:ln>
               <a:extLst>
                 <a:ext uri="{91240B29-F687-4f45-9708-019B960494DF}">
-                  <a14:hiddenLine xmlns:a14="http://schemas.microsoft.com/office/drawing/2010/main" xmlns="" w="9525">
+                  <a14:hiddenLine xmlns="" xmlns:a14="http://schemas.microsoft.com/office/drawing/2010/main" w="9525">
                     <a:solidFill>
                       <a:srgbClr val="000000"/>
                     </a:solidFill>
@@ -12075,7 +12791,7 @@
               </a:ln>
               <a:extLst>
                 <a:ext uri="{91240B29-F687-4f45-9708-019B960494DF}">
-                  <a14:hiddenLine xmlns:a14="http://schemas.microsoft.com/office/drawing/2010/main" xmlns="" w="9525">
+                  <a14:hiddenLine xmlns="" xmlns:a14="http://schemas.microsoft.com/office/drawing/2010/main" w="9525">
                     <a:solidFill>
                       <a:srgbClr val="000000"/>
                     </a:solidFill>
@@ -12143,7 +12859,7 @@
               </a:ln>
               <a:extLst>
                 <a:ext uri="{91240B29-F687-4f45-9708-019B960494DF}">
-                  <a14:hiddenLine xmlns:a14="http://schemas.microsoft.com/office/drawing/2010/main" xmlns="" w="9525">
+                  <a14:hiddenLine xmlns="" xmlns:a14="http://schemas.microsoft.com/office/drawing/2010/main" w="9525">
                     <a:solidFill>
                       <a:srgbClr val="000000"/>
                     </a:solidFill>
@@ -12233,7 +12949,7 @@
               </a:ln>
               <a:extLst>
                 <a:ext uri="{91240B29-F687-4f45-9708-019B960494DF}">
-                  <a14:hiddenLine xmlns:a14="http://schemas.microsoft.com/office/drawing/2010/main" xmlns="" w="9525">
+                  <a14:hiddenLine xmlns="" xmlns:a14="http://schemas.microsoft.com/office/drawing/2010/main" w="9525">
                     <a:solidFill>
                       <a:srgbClr val="000000"/>
                     </a:solidFill>
@@ -12267,7 +12983,7 @@
               </a:ln>
               <a:extLst>
                 <a:ext uri="{91240B29-F687-4f45-9708-019B960494DF}">
-                  <a14:hiddenLine xmlns:a14="http://schemas.microsoft.com/office/drawing/2010/main" xmlns="" w="9525">
+                  <a14:hiddenLine xmlns="" xmlns:a14="http://schemas.microsoft.com/office/drawing/2010/main" w="9525">
                     <a:solidFill>
                       <a:srgbClr val="000000"/>
                     </a:solidFill>
@@ -12407,7 +13123,7 @@
           <a:p>
             <a:fld id="{544AB342-66C8-405C-B652-8F787681E4B9}" type="datetime1">
               <a:rPr lang="en-US" smtClean="0"/>
-              <a:t>23-Aug-22</a:t>
+              <a:t>9/5/22</a:t>
             </a:fld>
             <a:endParaRPr lang="en-US"/>
           </a:p>
@@ -14773,7 +15489,7 @@
           <a:noFill/>
           <a:extLst>
             <a:ext uri="{909E8E84-426E-40dd-AFC4-6F175D3DCCD1}">
-              <a14:hiddenFill xmlns="" xmlns:a16="http://schemas.microsoft.com/office/drawing/2014/main" xmlns:p14="http://schemas.microsoft.com/office/powerpoint/2010/main" xmlns:a14="http://schemas.microsoft.com/office/drawing/2010/main">
+              <a14:hiddenFill xmlns:a14="http://schemas.microsoft.com/office/drawing/2010/main" xmlns:p14="http://schemas.microsoft.com/office/powerpoint/2010/main" xmlns:a16="http://schemas.microsoft.com/office/drawing/2014/main" xmlns="">
                 <a:solidFill>
                   <a:srgbClr val="FFFFFF"/>
                 </a:solidFill>
@@ -14894,7 +15610,7 @@
               </a:ln>
               <a:extLst>
                 <a:ext uri="{91240B29-F687-4f45-9708-019B960494DF}">
-                  <a14:hiddenLine xmlns="" xmlns:a16="http://schemas.microsoft.com/office/drawing/2014/main" xmlns:p14="http://schemas.microsoft.com/office/powerpoint/2010/main" xmlns:a14="http://schemas.microsoft.com/office/drawing/2010/main" w="9525">
+                  <a14:hiddenLine xmlns:a14="http://schemas.microsoft.com/office/drawing/2010/main" xmlns:p14="http://schemas.microsoft.com/office/powerpoint/2010/main" xmlns:a16="http://schemas.microsoft.com/office/drawing/2014/main" xmlns="" w="9525">
                     <a:solidFill>
                       <a:srgbClr val="000000"/>
                     </a:solidFill>
@@ -14999,7 +15715,7 @@
               </a:ln>
               <a:extLst>
                 <a:ext uri="{91240B29-F687-4f45-9708-019B960494DF}">
-                  <a14:hiddenLine xmlns="" xmlns:a16="http://schemas.microsoft.com/office/drawing/2014/main" xmlns:p14="http://schemas.microsoft.com/office/powerpoint/2010/main" xmlns:a14="http://schemas.microsoft.com/office/drawing/2010/main" w="9525">
+                  <a14:hiddenLine xmlns:a14="http://schemas.microsoft.com/office/drawing/2010/main" xmlns:p14="http://schemas.microsoft.com/office/powerpoint/2010/main" xmlns:a16="http://schemas.microsoft.com/office/drawing/2014/main" xmlns="" w="9525">
                     <a:solidFill>
                       <a:srgbClr val="000000"/>
                     </a:solidFill>
@@ -15104,7 +15820,7 @@
               </a:ln>
               <a:extLst>
                 <a:ext uri="{91240B29-F687-4f45-9708-019B960494DF}">
-                  <a14:hiddenLine xmlns="" xmlns:a16="http://schemas.microsoft.com/office/drawing/2014/main" xmlns:p14="http://schemas.microsoft.com/office/powerpoint/2010/main" xmlns:a14="http://schemas.microsoft.com/office/drawing/2010/main" w="9525">
+                  <a14:hiddenLine xmlns:a14="http://schemas.microsoft.com/office/drawing/2010/main" xmlns:p14="http://schemas.microsoft.com/office/powerpoint/2010/main" xmlns:a16="http://schemas.microsoft.com/office/drawing/2014/main" xmlns="" w="9525">
                     <a:solidFill>
                       <a:srgbClr val="000000"/>
                     </a:solidFill>
@@ -15181,7 +15897,7 @@
               </a:ln>
               <a:extLst>
                 <a:ext uri="{91240B29-F687-4f45-9708-019B960494DF}">
-                  <a14:hiddenLine xmlns="" xmlns:a16="http://schemas.microsoft.com/office/drawing/2014/main" xmlns:p14="http://schemas.microsoft.com/office/powerpoint/2010/main" xmlns:a14="http://schemas.microsoft.com/office/drawing/2010/main" w="9525">
+                  <a14:hiddenLine xmlns:a14="http://schemas.microsoft.com/office/drawing/2010/main" xmlns:p14="http://schemas.microsoft.com/office/powerpoint/2010/main" xmlns:a16="http://schemas.microsoft.com/office/drawing/2014/main" xmlns="" w="9525">
                     <a:solidFill>
                       <a:srgbClr val="000000"/>
                     </a:solidFill>
@@ -15286,7 +16002,7 @@
               </a:ln>
               <a:extLst>
                 <a:ext uri="{91240B29-F687-4f45-9708-019B960494DF}">
-                  <a14:hiddenLine xmlns="" xmlns:a16="http://schemas.microsoft.com/office/drawing/2014/main" xmlns:p14="http://schemas.microsoft.com/office/powerpoint/2010/main" xmlns:a14="http://schemas.microsoft.com/office/drawing/2010/main" w="9525">
+                  <a14:hiddenLine xmlns:a14="http://schemas.microsoft.com/office/drawing/2010/main" xmlns:p14="http://schemas.microsoft.com/office/powerpoint/2010/main" xmlns:a16="http://schemas.microsoft.com/office/drawing/2014/main" xmlns="" w="9525">
                     <a:solidFill>
                       <a:srgbClr val="000000"/>
                     </a:solidFill>
@@ -15363,7 +16079,7 @@
               </a:ln>
               <a:extLst>
                 <a:ext uri="{91240B29-F687-4f45-9708-019B960494DF}">
-                  <a14:hiddenLine xmlns="" xmlns:a16="http://schemas.microsoft.com/office/drawing/2014/main" xmlns:p14="http://schemas.microsoft.com/office/powerpoint/2010/main" xmlns:a14="http://schemas.microsoft.com/office/drawing/2010/main" w="9525">
+                  <a14:hiddenLine xmlns:a14="http://schemas.microsoft.com/office/drawing/2010/main" xmlns:p14="http://schemas.microsoft.com/office/powerpoint/2010/main" xmlns:a16="http://schemas.microsoft.com/office/drawing/2014/main" xmlns="" w="9525">
                     <a:solidFill>
                       <a:srgbClr val="000000"/>
                     </a:solidFill>
@@ -15440,7 +16156,7 @@
               </a:ln>
               <a:extLst>
                 <a:ext uri="{91240B29-F687-4f45-9708-019B960494DF}">
-                  <a14:hiddenLine xmlns="" xmlns:a16="http://schemas.microsoft.com/office/drawing/2014/main" xmlns:p14="http://schemas.microsoft.com/office/powerpoint/2010/main" xmlns:a14="http://schemas.microsoft.com/office/drawing/2010/main" w="9525">
+                  <a14:hiddenLine xmlns:a14="http://schemas.microsoft.com/office/drawing/2010/main" xmlns:p14="http://schemas.microsoft.com/office/powerpoint/2010/main" xmlns:a16="http://schemas.microsoft.com/office/drawing/2014/main" xmlns="" w="9525">
                     <a:solidFill>
                       <a:srgbClr val="000000"/>
                     </a:solidFill>
@@ -15545,7 +16261,7 @@
               </a:ln>
               <a:extLst>
                 <a:ext uri="{91240B29-F687-4f45-9708-019B960494DF}">
-                  <a14:hiddenLine xmlns="" xmlns:a16="http://schemas.microsoft.com/office/drawing/2014/main" xmlns:p14="http://schemas.microsoft.com/office/powerpoint/2010/main" xmlns:a14="http://schemas.microsoft.com/office/drawing/2010/main" w="9525">
+                  <a14:hiddenLine xmlns:a14="http://schemas.microsoft.com/office/drawing/2010/main" xmlns:p14="http://schemas.microsoft.com/office/powerpoint/2010/main" xmlns:a16="http://schemas.microsoft.com/office/drawing/2014/main" xmlns="" w="9525">
                     <a:solidFill>
                       <a:srgbClr val="000000"/>
                     </a:solidFill>
@@ -15650,7 +16366,7 @@
               </a:ln>
               <a:extLst>
                 <a:ext uri="{91240B29-F687-4f45-9708-019B960494DF}">
-                  <a14:hiddenLine xmlns="" xmlns:a16="http://schemas.microsoft.com/office/drawing/2014/main" xmlns:p14="http://schemas.microsoft.com/office/powerpoint/2010/main" xmlns:a14="http://schemas.microsoft.com/office/drawing/2010/main" w="9525">
+                  <a14:hiddenLine xmlns:a14="http://schemas.microsoft.com/office/drawing/2010/main" xmlns:p14="http://schemas.microsoft.com/office/powerpoint/2010/main" xmlns:a16="http://schemas.microsoft.com/office/drawing/2014/main" xmlns="" w="9525">
                     <a:solidFill>
                       <a:srgbClr val="000000"/>
                     </a:solidFill>
@@ -15727,7 +16443,7 @@
               </a:ln>
               <a:extLst>
                 <a:ext uri="{91240B29-F687-4f45-9708-019B960494DF}">
-                  <a14:hiddenLine xmlns="" xmlns:a16="http://schemas.microsoft.com/office/drawing/2014/main" xmlns:p14="http://schemas.microsoft.com/office/powerpoint/2010/main" xmlns:a14="http://schemas.microsoft.com/office/drawing/2010/main" w="9525">
+                  <a14:hiddenLine xmlns:a14="http://schemas.microsoft.com/office/drawing/2010/main" xmlns:p14="http://schemas.microsoft.com/office/powerpoint/2010/main" xmlns:a16="http://schemas.microsoft.com/office/drawing/2014/main" xmlns="" w="9525">
                     <a:solidFill>
                       <a:srgbClr val="000000"/>
                     </a:solidFill>
@@ -15852,7 +16568,7 @@
               </a:ln>
               <a:extLst>
                 <a:ext uri="{91240B29-F687-4f45-9708-019B960494DF}">
-                  <a14:hiddenLine xmlns="" xmlns:a16="http://schemas.microsoft.com/office/drawing/2014/main" xmlns:p14="http://schemas.microsoft.com/office/powerpoint/2010/main" xmlns:a14="http://schemas.microsoft.com/office/drawing/2010/main" w="9525">
+                  <a14:hiddenLine xmlns:a14="http://schemas.microsoft.com/office/drawing/2010/main" xmlns:p14="http://schemas.microsoft.com/office/powerpoint/2010/main" xmlns:a16="http://schemas.microsoft.com/office/drawing/2014/main" xmlns="" w="9525">
                     <a:solidFill>
                       <a:srgbClr val="000000"/>
                     </a:solidFill>
@@ -15966,7 +16682,7 @@
               </a:ln>
               <a:extLst>
                 <a:ext uri="{91240B29-F687-4f45-9708-019B960494DF}">
-                  <a14:hiddenLine xmlns="" xmlns:a16="http://schemas.microsoft.com/office/drawing/2014/main" xmlns:p14="http://schemas.microsoft.com/office/powerpoint/2010/main" xmlns:a14="http://schemas.microsoft.com/office/drawing/2010/main" w="9525">
+                  <a14:hiddenLine xmlns:a14="http://schemas.microsoft.com/office/drawing/2010/main" xmlns:p14="http://schemas.microsoft.com/office/powerpoint/2010/main" xmlns:a16="http://schemas.microsoft.com/office/drawing/2014/main" xmlns="" w="9525">
                     <a:solidFill>
                       <a:srgbClr val="000000"/>
                     </a:solidFill>
@@ -16043,7 +16759,7 @@
               </a:ln>
               <a:extLst>
                 <a:ext uri="{91240B29-F687-4f45-9708-019B960494DF}">
-                  <a14:hiddenLine xmlns="" xmlns:a16="http://schemas.microsoft.com/office/drawing/2014/main" xmlns:p14="http://schemas.microsoft.com/office/powerpoint/2010/main" xmlns:a14="http://schemas.microsoft.com/office/drawing/2010/main" w="9525">
+                  <a14:hiddenLine xmlns:a14="http://schemas.microsoft.com/office/drawing/2010/main" xmlns:p14="http://schemas.microsoft.com/office/powerpoint/2010/main" xmlns:a16="http://schemas.microsoft.com/office/drawing/2014/main" xmlns="" w="9525">
                     <a:solidFill>
                       <a:srgbClr val="000000"/>
                     </a:solidFill>
@@ -16120,7 +16836,7 @@
               </a:ln>
               <a:extLst>
                 <a:ext uri="{91240B29-F687-4f45-9708-019B960494DF}">
-                  <a14:hiddenLine xmlns="" xmlns:a16="http://schemas.microsoft.com/office/drawing/2014/main" xmlns:p14="http://schemas.microsoft.com/office/powerpoint/2010/main" xmlns:a14="http://schemas.microsoft.com/office/drawing/2010/main" w="9525">
+                  <a14:hiddenLine xmlns:a14="http://schemas.microsoft.com/office/drawing/2010/main" xmlns:p14="http://schemas.microsoft.com/office/powerpoint/2010/main" xmlns:a16="http://schemas.microsoft.com/office/drawing/2014/main" xmlns="" w="9525">
                     <a:solidFill>
                       <a:srgbClr val="000000"/>
                     </a:solidFill>
@@ -16225,7 +16941,7 @@
               </a:ln>
               <a:extLst>
                 <a:ext uri="{91240B29-F687-4f45-9708-019B960494DF}">
-                  <a14:hiddenLine xmlns="" xmlns:a16="http://schemas.microsoft.com/office/drawing/2014/main" xmlns:p14="http://schemas.microsoft.com/office/powerpoint/2010/main" xmlns:a14="http://schemas.microsoft.com/office/drawing/2010/main" w="9525">
+                  <a14:hiddenLine xmlns:a14="http://schemas.microsoft.com/office/drawing/2010/main" xmlns:p14="http://schemas.microsoft.com/office/powerpoint/2010/main" xmlns:a16="http://schemas.microsoft.com/office/drawing/2014/main" xmlns="" w="9525">
                     <a:solidFill>
                       <a:srgbClr val="000000"/>
                     </a:solidFill>
@@ -16274,7 +16990,7 @@
               </a:ln>
               <a:extLst>
                 <a:ext uri="{91240B29-F687-4f45-9708-019B960494DF}">
-                  <a14:hiddenLine xmlns="" xmlns:a16="http://schemas.microsoft.com/office/drawing/2014/main" xmlns:p14="http://schemas.microsoft.com/office/powerpoint/2010/main" xmlns:a14="http://schemas.microsoft.com/office/drawing/2010/main" w="9525">
+                  <a14:hiddenLine xmlns:a14="http://schemas.microsoft.com/office/drawing/2010/main" xmlns:p14="http://schemas.microsoft.com/office/powerpoint/2010/main" xmlns:a16="http://schemas.microsoft.com/office/drawing/2014/main" xmlns="" w="9525">
                     <a:solidFill>
                       <a:srgbClr val="000000"/>
                     </a:solidFill>
@@ -16354,7 +17070,7 @@
               </a:ln>
               <a:extLst>
                 <a:ext uri="{91240B29-F687-4f45-9708-019B960494DF}">
-                  <a14:hiddenLine xmlns="" xmlns:a16="http://schemas.microsoft.com/office/drawing/2014/main" xmlns:p14="http://schemas.microsoft.com/office/powerpoint/2010/main" xmlns:a14="http://schemas.microsoft.com/office/drawing/2010/main" w="9525">
+                  <a14:hiddenLine xmlns:a14="http://schemas.microsoft.com/office/drawing/2010/main" xmlns:p14="http://schemas.microsoft.com/office/powerpoint/2010/main" xmlns:a16="http://schemas.microsoft.com/office/drawing/2014/main" xmlns="" w="9525">
                     <a:solidFill>
                       <a:srgbClr val="000000"/>
                     </a:solidFill>
@@ -16459,7 +17175,7 @@
               </a:ln>
               <a:extLst>
                 <a:ext uri="{91240B29-F687-4f45-9708-019B960494DF}">
-                  <a14:hiddenLine xmlns="" xmlns:a16="http://schemas.microsoft.com/office/drawing/2014/main" xmlns:p14="http://schemas.microsoft.com/office/powerpoint/2010/main" xmlns:a14="http://schemas.microsoft.com/office/drawing/2010/main" w="9525">
+                  <a14:hiddenLine xmlns:a14="http://schemas.microsoft.com/office/drawing/2010/main" xmlns:p14="http://schemas.microsoft.com/office/powerpoint/2010/main" xmlns:a16="http://schemas.microsoft.com/office/drawing/2014/main" xmlns="" w="9525">
                     <a:solidFill>
                       <a:srgbClr val="000000"/>
                     </a:solidFill>
@@ -16536,7 +17252,7 @@
               </a:ln>
               <a:extLst>
                 <a:ext uri="{91240B29-F687-4f45-9708-019B960494DF}">
-                  <a14:hiddenLine xmlns="" xmlns:a16="http://schemas.microsoft.com/office/drawing/2014/main" xmlns:p14="http://schemas.microsoft.com/office/powerpoint/2010/main" xmlns:a14="http://schemas.microsoft.com/office/drawing/2010/main" w="9525">
+                  <a14:hiddenLine xmlns:a14="http://schemas.microsoft.com/office/drawing/2010/main" xmlns:p14="http://schemas.microsoft.com/office/powerpoint/2010/main" xmlns:a16="http://schemas.microsoft.com/office/drawing/2014/main" xmlns="" w="9525">
                     <a:solidFill>
                       <a:srgbClr val="000000"/>
                     </a:solidFill>
@@ -16641,7 +17357,7 @@
               </a:ln>
               <a:extLst>
                 <a:ext uri="{91240B29-F687-4f45-9708-019B960494DF}">
-                  <a14:hiddenLine xmlns="" xmlns:a16="http://schemas.microsoft.com/office/drawing/2014/main" xmlns:p14="http://schemas.microsoft.com/office/powerpoint/2010/main" xmlns:a14="http://schemas.microsoft.com/office/drawing/2010/main" w="9525">
+                  <a14:hiddenLine xmlns:a14="http://schemas.microsoft.com/office/drawing/2010/main" xmlns:p14="http://schemas.microsoft.com/office/powerpoint/2010/main" xmlns:a16="http://schemas.microsoft.com/office/drawing/2014/main" xmlns="" w="9525">
                     <a:solidFill>
                       <a:srgbClr val="000000"/>
                     </a:solidFill>
@@ -16721,7 +17437,7 @@
               </a:ln>
               <a:extLst>
                 <a:ext uri="{91240B29-F687-4f45-9708-019B960494DF}">
-                  <a14:hiddenLine xmlns="" xmlns:a16="http://schemas.microsoft.com/office/drawing/2014/main" xmlns:p14="http://schemas.microsoft.com/office/powerpoint/2010/main" xmlns:a14="http://schemas.microsoft.com/office/drawing/2010/main" w="9525">
+                  <a14:hiddenLine xmlns:a14="http://schemas.microsoft.com/office/drawing/2010/main" xmlns:p14="http://schemas.microsoft.com/office/powerpoint/2010/main" xmlns:a16="http://schemas.microsoft.com/office/drawing/2014/main" xmlns="" w="9525">
                     <a:solidFill>
                       <a:srgbClr val="000000"/>
                     </a:solidFill>
@@ -16798,7 +17514,7 @@
               </a:ln>
               <a:extLst>
                 <a:ext uri="{91240B29-F687-4f45-9708-019B960494DF}">
-                  <a14:hiddenLine xmlns="" xmlns:a16="http://schemas.microsoft.com/office/drawing/2014/main" xmlns:p14="http://schemas.microsoft.com/office/powerpoint/2010/main" xmlns:a14="http://schemas.microsoft.com/office/drawing/2010/main" w="9525">
+                  <a14:hiddenLine xmlns:a14="http://schemas.microsoft.com/office/drawing/2010/main" xmlns:p14="http://schemas.microsoft.com/office/powerpoint/2010/main" xmlns:a16="http://schemas.microsoft.com/office/drawing/2014/main" xmlns="" w="9525">
                     <a:solidFill>
                       <a:srgbClr val="000000"/>
                     </a:solidFill>
@@ -16903,7 +17619,7 @@
               </a:ln>
               <a:extLst>
                 <a:ext uri="{91240B29-F687-4f45-9708-019B960494DF}">
-                  <a14:hiddenLine xmlns="" xmlns:a16="http://schemas.microsoft.com/office/drawing/2014/main" xmlns:p14="http://schemas.microsoft.com/office/powerpoint/2010/main" xmlns:a14="http://schemas.microsoft.com/office/drawing/2010/main" w="9525">
+                  <a14:hiddenLine xmlns:a14="http://schemas.microsoft.com/office/drawing/2010/main" xmlns:p14="http://schemas.microsoft.com/office/powerpoint/2010/main" xmlns:a16="http://schemas.microsoft.com/office/drawing/2014/main" xmlns="" w="9525">
                     <a:solidFill>
                       <a:srgbClr val="000000"/>
                     </a:solidFill>
@@ -17008,7 +17724,7 @@
               </a:ln>
               <a:extLst>
                 <a:ext uri="{91240B29-F687-4f45-9708-019B960494DF}">
-                  <a14:hiddenLine xmlns="" xmlns:a16="http://schemas.microsoft.com/office/drawing/2014/main" xmlns:p14="http://schemas.microsoft.com/office/powerpoint/2010/main" xmlns:a14="http://schemas.microsoft.com/office/drawing/2010/main" w="9525">
+                  <a14:hiddenLine xmlns:a14="http://schemas.microsoft.com/office/drawing/2010/main" xmlns:p14="http://schemas.microsoft.com/office/powerpoint/2010/main" xmlns:a16="http://schemas.microsoft.com/office/drawing/2014/main" xmlns="" w="9525">
                     <a:solidFill>
                       <a:srgbClr val="000000"/>
                     </a:solidFill>
@@ -17088,7 +17804,7 @@
               </a:ln>
               <a:extLst>
                 <a:ext uri="{91240B29-F687-4f45-9708-019B960494DF}">
-                  <a14:hiddenLine xmlns="" xmlns:a16="http://schemas.microsoft.com/office/drawing/2014/main" xmlns:p14="http://schemas.microsoft.com/office/powerpoint/2010/main" xmlns:a14="http://schemas.microsoft.com/office/drawing/2010/main" w="9525">
+                  <a14:hiddenLine xmlns:a14="http://schemas.microsoft.com/office/drawing/2010/main" xmlns:p14="http://schemas.microsoft.com/office/powerpoint/2010/main" xmlns:a16="http://schemas.microsoft.com/office/drawing/2014/main" xmlns="" w="9525">
                     <a:solidFill>
                       <a:srgbClr val="000000"/>
                     </a:solidFill>
@@ -17223,7 +17939,7 @@
               </a:ln>
               <a:extLst>
                 <a:ext uri="{91240B29-F687-4f45-9708-019B960494DF}">
-                  <a14:hiddenLine xmlns="" xmlns:a16="http://schemas.microsoft.com/office/drawing/2014/main" xmlns:p14="http://schemas.microsoft.com/office/powerpoint/2010/main" xmlns:a14="http://schemas.microsoft.com/office/drawing/2010/main" w="9525">
+                  <a14:hiddenLine xmlns:a14="http://schemas.microsoft.com/office/drawing/2010/main" xmlns:p14="http://schemas.microsoft.com/office/powerpoint/2010/main" xmlns:a16="http://schemas.microsoft.com/office/drawing/2014/main" xmlns="" w="9525">
                     <a:solidFill>
                       <a:srgbClr val="000000"/>
                     </a:solidFill>
@@ -17351,7 +18067,7 @@
               </a:ln>
               <a:extLst>
                 <a:ext uri="{91240B29-F687-4f45-9708-019B960494DF}">
-                  <a14:hiddenLine xmlns="" xmlns:a16="http://schemas.microsoft.com/office/drawing/2014/main" xmlns:p14="http://schemas.microsoft.com/office/powerpoint/2010/main" xmlns:a14="http://schemas.microsoft.com/office/drawing/2010/main" w="9525">
+                  <a14:hiddenLine xmlns:a14="http://schemas.microsoft.com/office/drawing/2010/main" xmlns:p14="http://schemas.microsoft.com/office/powerpoint/2010/main" xmlns:a16="http://schemas.microsoft.com/office/drawing/2014/main" xmlns="" w="9525">
                     <a:solidFill>
                       <a:srgbClr val="000000"/>
                     </a:solidFill>
@@ -17481,7 +18197,7 @@
               </a:ln>
               <a:extLst>
                 <a:ext uri="{91240B29-F687-4f45-9708-019B960494DF}">
-                  <a14:hiddenLine xmlns="" xmlns:a16="http://schemas.microsoft.com/office/drawing/2014/main" xmlns:p14="http://schemas.microsoft.com/office/powerpoint/2010/main" xmlns:a14="http://schemas.microsoft.com/office/drawing/2010/main" w="9525">
+                  <a14:hiddenLine xmlns:a14="http://schemas.microsoft.com/office/drawing/2010/main" xmlns:p14="http://schemas.microsoft.com/office/powerpoint/2010/main" xmlns:a16="http://schemas.microsoft.com/office/drawing/2014/main" xmlns="" w="9525">
                     <a:solidFill>
                       <a:srgbClr val="000000"/>
                     </a:solidFill>
@@ -17586,7 +18302,7 @@
               </a:ln>
               <a:extLst>
                 <a:ext uri="{91240B29-F687-4f45-9708-019B960494DF}">
-                  <a14:hiddenLine xmlns="" xmlns:a16="http://schemas.microsoft.com/office/drawing/2014/main" xmlns:p14="http://schemas.microsoft.com/office/powerpoint/2010/main" xmlns:a14="http://schemas.microsoft.com/office/drawing/2010/main" w="9525">
+                  <a14:hiddenLine xmlns:a14="http://schemas.microsoft.com/office/drawing/2010/main" xmlns:p14="http://schemas.microsoft.com/office/powerpoint/2010/main" xmlns:a16="http://schemas.microsoft.com/office/drawing/2014/main" xmlns="" w="9525">
                     <a:solidFill>
                       <a:srgbClr val="000000"/>
                     </a:solidFill>
@@ -17666,7 +18382,7 @@
               </a:ln>
               <a:extLst>
                 <a:ext uri="{91240B29-F687-4f45-9708-019B960494DF}">
-                  <a14:hiddenLine xmlns="" xmlns:a16="http://schemas.microsoft.com/office/drawing/2014/main" xmlns:p14="http://schemas.microsoft.com/office/powerpoint/2010/main" xmlns:a14="http://schemas.microsoft.com/office/drawing/2010/main" w="9525">
+                  <a14:hiddenLine xmlns:a14="http://schemas.microsoft.com/office/drawing/2010/main" xmlns:p14="http://schemas.microsoft.com/office/powerpoint/2010/main" xmlns:a16="http://schemas.microsoft.com/office/drawing/2014/main" xmlns="" w="9525">
                     <a:solidFill>
                       <a:srgbClr val="000000"/>
                     </a:solidFill>
@@ -17771,7 +18487,7 @@
               </a:ln>
               <a:extLst>
                 <a:ext uri="{91240B29-F687-4f45-9708-019B960494DF}">
-                  <a14:hiddenLine xmlns="" xmlns:a16="http://schemas.microsoft.com/office/drawing/2014/main" xmlns:p14="http://schemas.microsoft.com/office/powerpoint/2010/main" xmlns:a14="http://schemas.microsoft.com/office/drawing/2010/main" w="9525">
+                  <a14:hiddenLine xmlns:a14="http://schemas.microsoft.com/office/drawing/2010/main" xmlns:p14="http://schemas.microsoft.com/office/powerpoint/2010/main" xmlns:a16="http://schemas.microsoft.com/office/drawing/2014/main" xmlns="" w="9525">
                     <a:solidFill>
                       <a:srgbClr val="000000"/>
                     </a:solidFill>
@@ -17854,7 +18570,7 @@
               </a:ln>
               <a:extLst>
                 <a:ext uri="{91240B29-F687-4f45-9708-019B960494DF}">
-                  <a14:hiddenLine xmlns="" xmlns:a16="http://schemas.microsoft.com/office/drawing/2014/main" xmlns:p14="http://schemas.microsoft.com/office/powerpoint/2010/main" xmlns:a14="http://schemas.microsoft.com/office/drawing/2010/main" w="9525">
+                  <a14:hiddenLine xmlns:a14="http://schemas.microsoft.com/office/drawing/2010/main" xmlns:p14="http://schemas.microsoft.com/office/powerpoint/2010/main" xmlns:a16="http://schemas.microsoft.com/office/drawing/2014/main" xmlns="" w="9525">
                     <a:solidFill>
                       <a:srgbClr val="000000"/>
                     </a:solidFill>
@@ -17959,7 +18675,7 @@
               </a:ln>
               <a:extLst>
                 <a:ext uri="{91240B29-F687-4f45-9708-019B960494DF}">
-                  <a14:hiddenLine xmlns="" xmlns:a16="http://schemas.microsoft.com/office/drawing/2014/main" xmlns:p14="http://schemas.microsoft.com/office/powerpoint/2010/main" xmlns:a14="http://schemas.microsoft.com/office/drawing/2010/main" w="9525">
+                  <a14:hiddenLine xmlns:a14="http://schemas.microsoft.com/office/drawing/2010/main" xmlns:p14="http://schemas.microsoft.com/office/powerpoint/2010/main" xmlns:a16="http://schemas.microsoft.com/office/drawing/2014/main" xmlns="" w="9525">
                     <a:solidFill>
                       <a:srgbClr val="000000"/>
                     </a:solidFill>
@@ -18042,7 +18758,7 @@
               </a:ln>
               <a:extLst>
                 <a:ext uri="{91240B29-F687-4f45-9708-019B960494DF}">
-                  <a14:hiddenLine xmlns="" xmlns:a16="http://schemas.microsoft.com/office/drawing/2014/main" xmlns:p14="http://schemas.microsoft.com/office/powerpoint/2010/main" xmlns:a14="http://schemas.microsoft.com/office/drawing/2010/main" w="9525">
+                  <a14:hiddenLine xmlns:a14="http://schemas.microsoft.com/office/drawing/2010/main" xmlns:p14="http://schemas.microsoft.com/office/powerpoint/2010/main" xmlns:a16="http://schemas.microsoft.com/office/drawing/2014/main" xmlns="" w="9525">
                     <a:solidFill>
                       <a:srgbClr val="000000"/>
                     </a:solidFill>
@@ -18147,7 +18863,7 @@
               </a:ln>
               <a:extLst>
                 <a:ext uri="{91240B29-F687-4f45-9708-019B960494DF}">
-                  <a14:hiddenLine xmlns="" xmlns:a16="http://schemas.microsoft.com/office/drawing/2014/main" xmlns:p14="http://schemas.microsoft.com/office/powerpoint/2010/main" xmlns:a14="http://schemas.microsoft.com/office/drawing/2010/main" w="9525">
+                  <a14:hiddenLine xmlns:a14="http://schemas.microsoft.com/office/drawing/2010/main" xmlns:p14="http://schemas.microsoft.com/office/powerpoint/2010/main" xmlns:a16="http://schemas.microsoft.com/office/drawing/2014/main" xmlns="" w="9525">
                     <a:solidFill>
                       <a:srgbClr val="000000"/>
                     </a:solidFill>
@@ -18196,7 +18912,7 @@
               </a:ln>
               <a:extLst>
                 <a:ext uri="{91240B29-F687-4f45-9708-019B960494DF}">
-                  <a14:hiddenLine xmlns="" xmlns:a16="http://schemas.microsoft.com/office/drawing/2014/main" xmlns:p14="http://schemas.microsoft.com/office/powerpoint/2010/main" xmlns:a14="http://schemas.microsoft.com/office/drawing/2010/main" w="9525">
+                  <a14:hiddenLine xmlns:a14="http://schemas.microsoft.com/office/drawing/2010/main" xmlns:p14="http://schemas.microsoft.com/office/powerpoint/2010/main" xmlns:a16="http://schemas.microsoft.com/office/drawing/2014/main" xmlns="" w="9525">
                     <a:solidFill>
                       <a:srgbClr val="000000"/>
                     </a:solidFill>
@@ -18342,7 +19058,7 @@
             </a:ln>
             <a:extLst>
               <a:ext uri="{91240B29-F687-4f45-9708-019B960494DF}">
-                <a14:hiddenLine xmlns="" xmlns:a16="http://schemas.microsoft.com/office/drawing/2014/main" xmlns:p14="http://schemas.microsoft.com/office/powerpoint/2010/main" xmlns:a14="http://schemas.microsoft.com/office/drawing/2010/main" w="9525">
+                <a14:hiddenLine xmlns:a14="http://schemas.microsoft.com/office/drawing/2010/main" xmlns:p14="http://schemas.microsoft.com/office/powerpoint/2010/main" xmlns:a16="http://schemas.microsoft.com/office/drawing/2014/main" xmlns="" w="9525">
                   <a:solidFill>
                     <a:srgbClr val="000000"/>
                   </a:solidFill>
@@ -18451,7 +19167,7 @@
             </a:ln>
             <a:extLst>
               <a:ext uri="{91240B29-F687-4f45-9708-019B960494DF}">
-                <a14:hiddenLine xmlns="" xmlns:a16="http://schemas.microsoft.com/office/drawing/2014/main" xmlns:p14="http://schemas.microsoft.com/office/powerpoint/2010/main" xmlns:a14="http://schemas.microsoft.com/office/drawing/2010/main" w="9525">
+                <a14:hiddenLine xmlns:a14="http://schemas.microsoft.com/office/drawing/2010/main" xmlns:p14="http://schemas.microsoft.com/office/powerpoint/2010/main" xmlns:a16="http://schemas.microsoft.com/office/drawing/2014/main" xmlns="" w="9525">
                   <a:solidFill>
                     <a:srgbClr val="000000"/>
                   </a:solidFill>
@@ -18560,7 +19276,7 @@
             </a:ln>
             <a:extLst>
               <a:ext uri="{91240B29-F687-4f45-9708-019B960494DF}">
-                <a14:hiddenLine xmlns="" xmlns:a16="http://schemas.microsoft.com/office/drawing/2014/main" xmlns:p14="http://schemas.microsoft.com/office/powerpoint/2010/main" xmlns:a14="http://schemas.microsoft.com/office/drawing/2010/main" w="9525">
+                <a14:hiddenLine xmlns:a14="http://schemas.microsoft.com/office/drawing/2010/main" xmlns:p14="http://schemas.microsoft.com/office/powerpoint/2010/main" xmlns:a16="http://schemas.microsoft.com/office/drawing/2014/main" xmlns="" w="9525">
                   <a:solidFill>
                     <a:srgbClr val="000000"/>
                   </a:solidFill>
@@ -18613,7 +19329,7 @@
             </a:ln>
             <a:extLst>
               <a:ext uri="{91240B29-F687-4f45-9708-019B960494DF}">
-                <a14:hiddenLine xmlns="" xmlns:a16="http://schemas.microsoft.com/office/drawing/2014/main" xmlns:p14="http://schemas.microsoft.com/office/powerpoint/2010/main" xmlns:a14="http://schemas.microsoft.com/office/drawing/2010/main" w="9525">
+                <a14:hiddenLine xmlns:a14="http://schemas.microsoft.com/office/drawing/2010/main" xmlns:p14="http://schemas.microsoft.com/office/powerpoint/2010/main" xmlns:a16="http://schemas.microsoft.com/office/drawing/2014/main" xmlns="" w="9525">
                   <a:solidFill>
                     <a:srgbClr val="000000"/>
                   </a:solidFill>
@@ -18722,7 +19438,7 @@
             </a:ln>
             <a:extLst>
               <a:ext uri="{91240B29-F687-4f45-9708-019B960494DF}">
-                <a14:hiddenLine xmlns="" xmlns:a16="http://schemas.microsoft.com/office/drawing/2014/main" xmlns:p14="http://schemas.microsoft.com/office/powerpoint/2010/main" xmlns:a14="http://schemas.microsoft.com/office/drawing/2010/main" w="9525">
+                <a14:hiddenLine xmlns:a14="http://schemas.microsoft.com/office/drawing/2010/main" xmlns:p14="http://schemas.microsoft.com/office/powerpoint/2010/main" xmlns:a16="http://schemas.microsoft.com/office/drawing/2014/main" xmlns="" w="9525">
                   <a:solidFill>
                     <a:srgbClr val="000000"/>
                   </a:solidFill>
@@ -18803,7 +19519,7 @@
             </a:ln>
             <a:extLst>
               <a:ext uri="{91240B29-F687-4f45-9708-019B960494DF}">
-                <a14:hiddenLine xmlns="" xmlns:a16="http://schemas.microsoft.com/office/drawing/2014/main" xmlns:p14="http://schemas.microsoft.com/office/powerpoint/2010/main" xmlns:a14="http://schemas.microsoft.com/office/drawing/2010/main" w="9525">
+                <a14:hiddenLine xmlns:a14="http://schemas.microsoft.com/office/drawing/2010/main" xmlns:p14="http://schemas.microsoft.com/office/powerpoint/2010/main" xmlns:a16="http://schemas.microsoft.com/office/drawing/2014/main" xmlns="" w="9525">
                   <a:solidFill>
                     <a:srgbClr val="000000"/>
                   </a:solidFill>
@@ -18884,7 +19600,7 @@
             </a:ln>
             <a:extLst>
               <a:ext uri="{91240B29-F687-4f45-9708-019B960494DF}">
-                <a14:hiddenLine xmlns="" xmlns:a16="http://schemas.microsoft.com/office/drawing/2014/main" xmlns:p14="http://schemas.microsoft.com/office/powerpoint/2010/main" xmlns:a14="http://schemas.microsoft.com/office/drawing/2010/main" w="9525">
+                <a14:hiddenLine xmlns:a14="http://schemas.microsoft.com/office/drawing/2010/main" xmlns:p14="http://schemas.microsoft.com/office/powerpoint/2010/main" xmlns:a16="http://schemas.microsoft.com/office/drawing/2014/main" xmlns="" w="9525">
                   <a:solidFill>
                     <a:srgbClr val="000000"/>
                   </a:solidFill>
@@ -18993,7 +19709,7 @@
             </a:ln>
             <a:extLst>
               <a:ext uri="{91240B29-F687-4f45-9708-019B960494DF}">
-                <a14:hiddenLine xmlns="" xmlns:a16="http://schemas.microsoft.com/office/drawing/2014/main" xmlns:p14="http://schemas.microsoft.com/office/powerpoint/2010/main" xmlns:a14="http://schemas.microsoft.com/office/drawing/2010/main" w="9525">
+                <a14:hiddenLine xmlns:a14="http://schemas.microsoft.com/office/drawing/2010/main" xmlns:p14="http://schemas.microsoft.com/office/powerpoint/2010/main" xmlns:a16="http://schemas.microsoft.com/office/drawing/2014/main" xmlns="" w="9525">
                   <a:solidFill>
                     <a:srgbClr val="000000"/>
                   </a:solidFill>
@@ -19074,7 +19790,7 @@
             </a:ln>
             <a:extLst>
               <a:ext uri="{91240B29-F687-4f45-9708-019B960494DF}">
-                <a14:hiddenLine xmlns="" xmlns:a16="http://schemas.microsoft.com/office/drawing/2014/main" xmlns:p14="http://schemas.microsoft.com/office/powerpoint/2010/main" xmlns:a14="http://schemas.microsoft.com/office/drawing/2010/main" w="9525">
+                <a14:hiddenLine xmlns:a14="http://schemas.microsoft.com/office/drawing/2010/main" xmlns:p14="http://schemas.microsoft.com/office/powerpoint/2010/main" xmlns:a16="http://schemas.microsoft.com/office/drawing/2014/main" xmlns="" w="9525">
                   <a:solidFill>
                     <a:srgbClr val="000000"/>
                   </a:solidFill>
@@ -19155,7 +19871,7 @@
             </a:ln>
             <a:extLst>
               <a:ext uri="{91240B29-F687-4f45-9708-019B960494DF}">
-                <a14:hiddenLine xmlns="" xmlns:a16="http://schemas.microsoft.com/office/drawing/2014/main" xmlns:p14="http://schemas.microsoft.com/office/powerpoint/2010/main" xmlns:a14="http://schemas.microsoft.com/office/drawing/2010/main" w="9525">
+                <a14:hiddenLine xmlns:a14="http://schemas.microsoft.com/office/drawing/2010/main" xmlns:p14="http://schemas.microsoft.com/office/powerpoint/2010/main" xmlns:a16="http://schemas.microsoft.com/office/drawing/2014/main" xmlns="" w="9525">
                   <a:solidFill>
                     <a:srgbClr val="000000"/>
                   </a:solidFill>
@@ -19264,7 +19980,7 @@
             </a:ln>
             <a:extLst>
               <a:ext uri="{91240B29-F687-4f45-9708-019B960494DF}">
-                <a14:hiddenLine xmlns="" xmlns:a16="http://schemas.microsoft.com/office/drawing/2014/main" xmlns:p14="http://schemas.microsoft.com/office/powerpoint/2010/main" xmlns:a14="http://schemas.microsoft.com/office/drawing/2010/main" w="9525">
+                <a14:hiddenLine xmlns:a14="http://schemas.microsoft.com/office/drawing/2010/main" xmlns:p14="http://schemas.microsoft.com/office/powerpoint/2010/main" xmlns:a16="http://schemas.microsoft.com/office/drawing/2014/main" xmlns="" w="9525">
                   <a:solidFill>
                     <a:srgbClr val="000000"/>
                   </a:solidFill>
@@ -19373,7 +20089,7 @@
             </a:ln>
             <a:extLst>
               <a:ext uri="{91240B29-F687-4f45-9708-019B960494DF}">
-                <a14:hiddenLine xmlns="" xmlns:a16="http://schemas.microsoft.com/office/drawing/2014/main" xmlns:p14="http://schemas.microsoft.com/office/powerpoint/2010/main" xmlns:a14="http://schemas.microsoft.com/office/drawing/2010/main" w="9525">
+                <a14:hiddenLine xmlns:a14="http://schemas.microsoft.com/office/drawing/2010/main" xmlns:p14="http://schemas.microsoft.com/office/powerpoint/2010/main" xmlns:a16="http://schemas.microsoft.com/office/drawing/2014/main" xmlns="" w="9525">
                   <a:solidFill>
                     <a:srgbClr val="000000"/>
                   </a:solidFill>
@@ -19454,7 +20170,7 @@
             </a:ln>
             <a:extLst>
               <a:ext uri="{91240B29-F687-4f45-9708-019B960494DF}">
-                <a14:hiddenLine xmlns="" xmlns:a16="http://schemas.microsoft.com/office/drawing/2014/main" xmlns:p14="http://schemas.microsoft.com/office/powerpoint/2010/main" xmlns:a14="http://schemas.microsoft.com/office/drawing/2010/main" w="9525">
+                <a14:hiddenLine xmlns:a14="http://schemas.microsoft.com/office/drawing/2010/main" xmlns:p14="http://schemas.microsoft.com/office/powerpoint/2010/main" xmlns:a16="http://schemas.microsoft.com/office/drawing/2014/main" xmlns="" w="9525">
                   <a:solidFill>
                     <a:srgbClr val="000000"/>
                   </a:solidFill>
@@ -19583,7 +20299,7 @@
             </a:ln>
             <a:extLst>
               <a:ext uri="{91240B29-F687-4f45-9708-019B960494DF}">
-                <a14:hiddenLine xmlns="" xmlns:a16="http://schemas.microsoft.com/office/drawing/2014/main" xmlns:p14="http://schemas.microsoft.com/office/powerpoint/2010/main" xmlns:a14="http://schemas.microsoft.com/office/drawing/2010/main" w="9525">
+                <a14:hiddenLine xmlns:a14="http://schemas.microsoft.com/office/drawing/2010/main" xmlns:p14="http://schemas.microsoft.com/office/powerpoint/2010/main" xmlns:a16="http://schemas.microsoft.com/office/drawing/2014/main" xmlns="" w="9525">
                   <a:solidFill>
                     <a:srgbClr val="000000"/>
                   </a:solidFill>
@@ -19664,7 +20380,7 @@
             </a:ln>
             <a:extLst>
               <a:ext uri="{91240B29-F687-4f45-9708-019B960494DF}">
-                <a14:hiddenLine xmlns="" xmlns:a16="http://schemas.microsoft.com/office/drawing/2014/main" xmlns:p14="http://schemas.microsoft.com/office/powerpoint/2010/main" xmlns:a14="http://schemas.microsoft.com/office/drawing/2010/main" w="9525">
+                <a14:hiddenLine xmlns:a14="http://schemas.microsoft.com/office/drawing/2010/main" xmlns:p14="http://schemas.microsoft.com/office/powerpoint/2010/main" xmlns:a16="http://schemas.microsoft.com/office/drawing/2014/main" xmlns="" w="9525">
                   <a:solidFill>
                     <a:srgbClr val="000000"/>
                   </a:solidFill>
@@ -19773,7 +20489,7 @@
             </a:ln>
             <a:extLst>
               <a:ext uri="{91240B29-F687-4f45-9708-019B960494DF}">
-                <a14:hiddenLine xmlns="" xmlns:a16="http://schemas.microsoft.com/office/drawing/2014/main" xmlns:p14="http://schemas.microsoft.com/office/powerpoint/2010/main" xmlns:a14="http://schemas.microsoft.com/office/drawing/2010/main" w="9525">
+                <a14:hiddenLine xmlns:a14="http://schemas.microsoft.com/office/drawing/2010/main" xmlns:p14="http://schemas.microsoft.com/office/powerpoint/2010/main" xmlns:a16="http://schemas.microsoft.com/office/drawing/2014/main" xmlns="" w="9525">
                   <a:solidFill>
                     <a:srgbClr val="000000"/>
                   </a:solidFill>
@@ -19882,7 +20598,7 @@
             </a:ln>
             <a:extLst>
               <a:ext uri="{91240B29-F687-4f45-9708-019B960494DF}">
-                <a14:hiddenLine xmlns="" xmlns:a16="http://schemas.microsoft.com/office/drawing/2014/main" xmlns:p14="http://schemas.microsoft.com/office/powerpoint/2010/main" xmlns:a14="http://schemas.microsoft.com/office/drawing/2010/main" w="9525">
+                <a14:hiddenLine xmlns:a14="http://schemas.microsoft.com/office/drawing/2010/main" xmlns:p14="http://schemas.microsoft.com/office/powerpoint/2010/main" xmlns:a16="http://schemas.microsoft.com/office/drawing/2014/main" xmlns="" w="9525">
                   <a:solidFill>
                     <a:srgbClr val="000000"/>
                   </a:solidFill>
@@ -19991,7 +20707,7 @@
             </a:ln>
             <a:extLst>
               <a:ext uri="{91240B29-F687-4f45-9708-019B960494DF}">
-                <a14:hiddenLine xmlns="" xmlns:a16="http://schemas.microsoft.com/office/drawing/2014/main" xmlns:p14="http://schemas.microsoft.com/office/powerpoint/2010/main" xmlns:a14="http://schemas.microsoft.com/office/drawing/2010/main" w="9525">
+                <a14:hiddenLine xmlns:a14="http://schemas.microsoft.com/office/drawing/2010/main" xmlns:p14="http://schemas.microsoft.com/office/powerpoint/2010/main" xmlns:a16="http://schemas.microsoft.com/office/drawing/2014/main" xmlns="" w="9525">
                   <a:solidFill>
                     <a:srgbClr val="000000"/>
                   </a:solidFill>
@@ -20066,7 +20782,7 @@
             </a:ln>
             <a:extLst>
               <a:ext uri="{91240B29-F687-4f45-9708-019B960494DF}">
-                <a14:hiddenLine xmlns="" xmlns:a16="http://schemas.microsoft.com/office/drawing/2014/main" xmlns:p14="http://schemas.microsoft.com/office/powerpoint/2010/main" xmlns:a14="http://schemas.microsoft.com/office/drawing/2010/main" w="9525">
+                <a14:hiddenLine xmlns:a14="http://schemas.microsoft.com/office/drawing/2010/main" xmlns:p14="http://schemas.microsoft.com/office/powerpoint/2010/main" xmlns:a16="http://schemas.microsoft.com/office/drawing/2014/main" xmlns="" w="9525">
                   <a:solidFill>
                     <a:srgbClr val="000000"/>
                   </a:solidFill>
@@ -20175,7 +20891,7 @@
             </a:ln>
             <a:extLst>
               <a:ext uri="{91240B29-F687-4f45-9708-019B960494DF}">
-                <a14:hiddenLine xmlns="" xmlns:a16="http://schemas.microsoft.com/office/drawing/2014/main" xmlns:p14="http://schemas.microsoft.com/office/powerpoint/2010/main" xmlns:a14="http://schemas.microsoft.com/office/drawing/2010/main" w="9525">
+                <a14:hiddenLine xmlns:a14="http://schemas.microsoft.com/office/drawing/2010/main" xmlns:p14="http://schemas.microsoft.com/office/powerpoint/2010/main" xmlns:a16="http://schemas.microsoft.com/office/drawing/2014/main" xmlns="" w="9525">
                   <a:solidFill>
                     <a:srgbClr val="000000"/>
                   </a:solidFill>
@@ -20250,7 +20966,7 @@
             </a:ln>
             <a:extLst>
               <a:ext uri="{91240B29-F687-4f45-9708-019B960494DF}">
-                <a14:hiddenLine xmlns="" xmlns:a16="http://schemas.microsoft.com/office/drawing/2014/main" xmlns:p14="http://schemas.microsoft.com/office/powerpoint/2010/main" xmlns:a14="http://schemas.microsoft.com/office/drawing/2010/main" w="9525">
+                <a14:hiddenLine xmlns:a14="http://schemas.microsoft.com/office/drawing/2010/main" xmlns:p14="http://schemas.microsoft.com/office/powerpoint/2010/main" xmlns:a16="http://schemas.microsoft.com/office/drawing/2014/main" xmlns="" w="9525">
                   <a:solidFill>
                     <a:srgbClr val="000000"/>
                   </a:solidFill>
@@ -20359,7 +21075,7 @@
             </a:ln>
             <a:extLst>
               <a:ext uri="{91240B29-F687-4f45-9708-019B960494DF}">
-                <a14:hiddenLine xmlns="" xmlns:a16="http://schemas.microsoft.com/office/drawing/2014/main" xmlns:p14="http://schemas.microsoft.com/office/powerpoint/2010/main" xmlns:a14="http://schemas.microsoft.com/office/drawing/2010/main" w="9525">
+                <a14:hiddenLine xmlns:a14="http://schemas.microsoft.com/office/drawing/2010/main" xmlns:p14="http://schemas.microsoft.com/office/powerpoint/2010/main" xmlns:a16="http://schemas.microsoft.com/office/drawing/2014/main" xmlns="" w="9525">
                   <a:solidFill>
                     <a:srgbClr val="000000"/>
                   </a:solidFill>
@@ -20446,7 +21162,7 @@
             </a:ln>
             <a:extLst>
               <a:ext uri="{91240B29-F687-4f45-9708-019B960494DF}">
-                <a14:hiddenLine xmlns="" xmlns:a16="http://schemas.microsoft.com/office/drawing/2014/main" xmlns:p14="http://schemas.microsoft.com/office/powerpoint/2010/main" xmlns:a14="http://schemas.microsoft.com/office/drawing/2010/main" w="9525">
+                <a14:hiddenLine xmlns:a14="http://schemas.microsoft.com/office/drawing/2010/main" xmlns:p14="http://schemas.microsoft.com/office/powerpoint/2010/main" xmlns:a16="http://schemas.microsoft.com/office/drawing/2014/main" xmlns="" w="9525">
                   <a:solidFill>
                     <a:srgbClr val="000000"/>
                   </a:solidFill>
@@ -20527,7 +21243,7 @@
             </a:ln>
             <a:extLst>
               <a:ext uri="{91240B29-F687-4f45-9708-019B960494DF}">
-                <a14:hiddenLine xmlns="" xmlns:a16="http://schemas.microsoft.com/office/drawing/2014/main" xmlns:p14="http://schemas.microsoft.com/office/powerpoint/2010/main" xmlns:a14="http://schemas.microsoft.com/office/drawing/2010/main" w="9525">
+                <a14:hiddenLine xmlns:a14="http://schemas.microsoft.com/office/drawing/2010/main" xmlns:p14="http://schemas.microsoft.com/office/powerpoint/2010/main" xmlns:a16="http://schemas.microsoft.com/office/drawing/2014/main" xmlns="" w="9525">
                   <a:solidFill>
                     <a:srgbClr val="000000"/>
                   </a:solidFill>
@@ -20636,7 +21352,7 @@
             </a:ln>
             <a:extLst>
               <a:ext uri="{91240B29-F687-4f45-9708-019B960494DF}">
-                <a14:hiddenLine xmlns="" xmlns:a16="http://schemas.microsoft.com/office/drawing/2014/main" xmlns:p14="http://schemas.microsoft.com/office/powerpoint/2010/main" xmlns:a14="http://schemas.microsoft.com/office/drawing/2010/main" w="9525">
+                <a14:hiddenLine xmlns:a14="http://schemas.microsoft.com/office/drawing/2010/main" xmlns:p14="http://schemas.microsoft.com/office/powerpoint/2010/main" xmlns:a16="http://schemas.microsoft.com/office/drawing/2014/main" xmlns="" w="9525">
                   <a:solidFill>
                     <a:srgbClr val="000000"/>
                   </a:solidFill>
@@ -20723,7 +21439,7 @@
             </a:ln>
             <a:extLst>
               <a:ext uri="{91240B29-F687-4f45-9708-019B960494DF}">
-                <a14:hiddenLine xmlns="" xmlns:a16="http://schemas.microsoft.com/office/drawing/2014/main" xmlns:p14="http://schemas.microsoft.com/office/powerpoint/2010/main" xmlns:a14="http://schemas.microsoft.com/office/drawing/2010/main" w="9525">
+                <a14:hiddenLine xmlns:a14="http://schemas.microsoft.com/office/drawing/2010/main" xmlns:p14="http://schemas.microsoft.com/office/powerpoint/2010/main" xmlns:a16="http://schemas.microsoft.com/office/drawing/2014/main" xmlns="" w="9525">
                   <a:solidFill>
                     <a:srgbClr val="000000"/>
                   </a:solidFill>
@@ -20804,7 +21520,7 @@
             </a:ln>
             <a:extLst>
               <a:ext uri="{91240B29-F687-4f45-9708-019B960494DF}">
-                <a14:hiddenLine xmlns="" xmlns:a16="http://schemas.microsoft.com/office/drawing/2014/main" xmlns:p14="http://schemas.microsoft.com/office/powerpoint/2010/main" xmlns:a14="http://schemas.microsoft.com/office/drawing/2010/main" w="9525">
+                <a14:hiddenLine xmlns:a14="http://schemas.microsoft.com/office/drawing/2010/main" xmlns:p14="http://schemas.microsoft.com/office/powerpoint/2010/main" xmlns:a16="http://schemas.microsoft.com/office/drawing/2014/main" xmlns="" w="9525">
                   <a:solidFill>
                     <a:srgbClr val="000000"/>
                   </a:solidFill>
@@ -20913,7 +21629,7 @@
             </a:ln>
             <a:extLst>
               <a:ext uri="{91240B29-F687-4f45-9708-019B960494DF}">
-                <a14:hiddenLine xmlns="" xmlns:a16="http://schemas.microsoft.com/office/drawing/2014/main" xmlns:p14="http://schemas.microsoft.com/office/powerpoint/2010/main" xmlns:a14="http://schemas.microsoft.com/office/drawing/2010/main" w="9525">
+                <a14:hiddenLine xmlns:a14="http://schemas.microsoft.com/office/drawing/2010/main" xmlns:p14="http://schemas.microsoft.com/office/powerpoint/2010/main" xmlns:a16="http://schemas.microsoft.com/office/drawing/2014/main" xmlns="" w="9525">
                   <a:solidFill>
                     <a:srgbClr val="000000"/>
                   </a:solidFill>
@@ -20994,7 +21710,7 @@
             </a:ln>
             <a:extLst>
               <a:ext uri="{91240B29-F687-4f45-9708-019B960494DF}">
-                <a14:hiddenLine xmlns="" xmlns:a16="http://schemas.microsoft.com/office/drawing/2014/main" xmlns:p14="http://schemas.microsoft.com/office/powerpoint/2010/main" xmlns:a14="http://schemas.microsoft.com/office/drawing/2010/main" w="9525">
+                <a14:hiddenLine xmlns:a14="http://schemas.microsoft.com/office/drawing/2010/main" xmlns:p14="http://schemas.microsoft.com/office/powerpoint/2010/main" xmlns:a16="http://schemas.microsoft.com/office/drawing/2014/main" xmlns="" w="9525">
                   <a:solidFill>
                     <a:srgbClr val="000000"/>
                   </a:solidFill>
@@ -21103,7 +21819,7 @@
             </a:ln>
             <a:extLst>
               <a:ext uri="{91240B29-F687-4f45-9708-019B960494DF}">
-                <a14:hiddenLine xmlns="" xmlns:a16="http://schemas.microsoft.com/office/drawing/2014/main" xmlns:p14="http://schemas.microsoft.com/office/powerpoint/2010/main" xmlns:a14="http://schemas.microsoft.com/office/drawing/2010/main" w="9525">
+                <a14:hiddenLine xmlns:a14="http://schemas.microsoft.com/office/drawing/2010/main" xmlns:p14="http://schemas.microsoft.com/office/powerpoint/2010/main" xmlns:a16="http://schemas.microsoft.com/office/drawing/2014/main" xmlns="" w="9525">
                   <a:solidFill>
                     <a:srgbClr val="000000"/>
                   </a:solidFill>
@@ -21184,7 +21900,7 @@
             </a:ln>
             <a:extLst>
               <a:ext uri="{91240B29-F687-4f45-9708-019B960494DF}">
-                <a14:hiddenLine xmlns="" xmlns:a16="http://schemas.microsoft.com/office/drawing/2014/main" xmlns:p14="http://schemas.microsoft.com/office/powerpoint/2010/main" xmlns:a14="http://schemas.microsoft.com/office/drawing/2010/main" w="9525">
+                <a14:hiddenLine xmlns:a14="http://schemas.microsoft.com/office/drawing/2010/main" xmlns:p14="http://schemas.microsoft.com/office/powerpoint/2010/main" xmlns:a16="http://schemas.microsoft.com/office/drawing/2014/main" xmlns="" w="9525">
                   <a:solidFill>
                     <a:srgbClr val="000000"/>
                   </a:solidFill>
@@ -21293,7 +22009,7 @@
             </a:ln>
             <a:extLst>
               <a:ext uri="{91240B29-F687-4f45-9708-019B960494DF}">
-                <a14:hiddenLine xmlns="" xmlns:a16="http://schemas.microsoft.com/office/drawing/2014/main" xmlns:p14="http://schemas.microsoft.com/office/powerpoint/2010/main" xmlns:a14="http://schemas.microsoft.com/office/drawing/2010/main" w="9525">
+                <a14:hiddenLine xmlns:a14="http://schemas.microsoft.com/office/drawing/2010/main" xmlns:p14="http://schemas.microsoft.com/office/powerpoint/2010/main" xmlns:a16="http://schemas.microsoft.com/office/drawing/2014/main" xmlns="" w="9525">
                   <a:solidFill>
                     <a:srgbClr val="000000"/>
                   </a:solidFill>
@@ -21380,7 +22096,7 @@
             </a:ln>
             <a:extLst>
               <a:ext uri="{91240B29-F687-4f45-9708-019B960494DF}">
-                <a14:hiddenLine xmlns="" xmlns:a16="http://schemas.microsoft.com/office/drawing/2014/main" xmlns:p14="http://schemas.microsoft.com/office/powerpoint/2010/main" xmlns:a14="http://schemas.microsoft.com/office/drawing/2010/main" w="9525">
+                <a14:hiddenLine xmlns:a14="http://schemas.microsoft.com/office/drawing/2010/main" xmlns:p14="http://schemas.microsoft.com/office/powerpoint/2010/main" xmlns:a16="http://schemas.microsoft.com/office/drawing/2014/main" xmlns="" w="9525">
                   <a:solidFill>
                     <a:srgbClr val="000000"/>
                   </a:solidFill>
@@ -21489,7 +22205,7 @@
             </a:ln>
             <a:extLst>
               <a:ext uri="{91240B29-F687-4f45-9708-019B960494DF}">
-                <a14:hiddenLine xmlns="" xmlns:a16="http://schemas.microsoft.com/office/drawing/2014/main" xmlns:p14="http://schemas.microsoft.com/office/powerpoint/2010/main" xmlns:a14="http://schemas.microsoft.com/office/drawing/2010/main" w="9525">
+                <a14:hiddenLine xmlns:a14="http://schemas.microsoft.com/office/drawing/2010/main" xmlns:p14="http://schemas.microsoft.com/office/powerpoint/2010/main" xmlns:a16="http://schemas.microsoft.com/office/drawing/2014/main" xmlns="" w="9525">
                   <a:solidFill>
                     <a:srgbClr val="000000"/>
                   </a:solidFill>
